--- a/Regular Expressions/REGULAR EXPRESSIONS.pptx
+++ b/Regular Expressions/REGULAR EXPRESSIONS.pptx
@@ -6,17 +6,18 @@
   </p:sldMasterIdLst>
   <p:sldIdLst>
     <p:sldId id="256" r:id="rId2"/>
-    <p:sldId id="257" r:id="rId3"/>
-    <p:sldId id="258" r:id="rId4"/>
-    <p:sldId id="259" r:id="rId5"/>
-    <p:sldId id="260" r:id="rId6"/>
-    <p:sldId id="261" r:id="rId7"/>
-    <p:sldId id="262" r:id="rId8"/>
-    <p:sldId id="263" r:id="rId9"/>
-    <p:sldId id="264" r:id="rId10"/>
-    <p:sldId id="265" r:id="rId11"/>
-    <p:sldId id="266" r:id="rId12"/>
-    <p:sldId id="267" r:id="rId13"/>
+    <p:sldId id="268" r:id="rId3"/>
+    <p:sldId id="257" r:id="rId4"/>
+    <p:sldId id="258" r:id="rId5"/>
+    <p:sldId id="259" r:id="rId6"/>
+    <p:sldId id="260" r:id="rId7"/>
+    <p:sldId id="261" r:id="rId8"/>
+    <p:sldId id="262" r:id="rId9"/>
+    <p:sldId id="263" r:id="rId10"/>
+    <p:sldId id="264" r:id="rId11"/>
+    <p:sldId id="265" r:id="rId12"/>
+    <p:sldId id="266" r:id="rId13"/>
+    <p:sldId id="267" r:id="rId14"/>
   </p:sldIdLst>
   <p:sldSz cx="12192000" cy="6858000"/>
   <p:notesSz cx="6858000" cy="9144000"/>
@@ -270,7 +271,7 @@
           <a:p>
             <a:fld id="{E0B00FDC-5295-49E0-A6D4-EFC535E8AEA4}" type="datetimeFigureOut">
               <a:rPr lang="zh-CN" altLang="en-US" smtClean="0"/>
-              <a:t>2021/9/7</a:t>
+              <a:t>2021/9/11</a:t>
             </a:fld>
             <a:endParaRPr lang="zh-CN" altLang="en-US"/>
           </a:p>
@@ -468,7 +469,7 @@
           <a:p>
             <a:fld id="{E0B00FDC-5295-49E0-A6D4-EFC535E8AEA4}" type="datetimeFigureOut">
               <a:rPr lang="zh-CN" altLang="en-US" smtClean="0"/>
-              <a:t>2021/9/7</a:t>
+              <a:t>2021/9/11</a:t>
             </a:fld>
             <a:endParaRPr lang="zh-CN" altLang="en-US"/>
           </a:p>
@@ -676,7 +677,7 @@
           <a:p>
             <a:fld id="{E0B00FDC-5295-49E0-A6D4-EFC535E8AEA4}" type="datetimeFigureOut">
               <a:rPr lang="zh-CN" altLang="en-US" smtClean="0"/>
-              <a:t>2021/9/7</a:t>
+              <a:t>2021/9/11</a:t>
             </a:fld>
             <a:endParaRPr lang="zh-CN" altLang="en-US"/>
           </a:p>
@@ -874,7 +875,7 @@
           <a:p>
             <a:fld id="{E0B00FDC-5295-49E0-A6D4-EFC535E8AEA4}" type="datetimeFigureOut">
               <a:rPr lang="zh-CN" altLang="en-US" smtClean="0"/>
-              <a:t>2021/9/7</a:t>
+              <a:t>2021/9/11</a:t>
             </a:fld>
             <a:endParaRPr lang="zh-CN" altLang="en-US"/>
           </a:p>
@@ -1149,7 +1150,7 @@
           <a:p>
             <a:fld id="{E0B00FDC-5295-49E0-A6D4-EFC535E8AEA4}" type="datetimeFigureOut">
               <a:rPr lang="zh-CN" altLang="en-US" smtClean="0"/>
-              <a:t>2021/9/7</a:t>
+              <a:t>2021/9/11</a:t>
             </a:fld>
             <a:endParaRPr lang="zh-CN" altLang="en-US"/>
           </a:p>
@@ -1414,7 +1415,7 @@
           <a:p>
             <a:fld id="{E0B00FDC-5295-49E0-A6D4-EFC535E8AEA4}" type="datetimeFigureOut">
               <a:rPr lang="zh-CN" altLang="en-US" smtClean="0"/>
-              <a:t>2021/9/7</a:t>
+              <a:t>2021/9/11</a:t>
             </a:fld>
             <a:endParaRPr lang="zh-CN" altLang="en-US"/>
           </a:p>
@@ -1826,7 +1827,7 @@
           <a:p>
             <a:fld id="{E0B00FDC-5295-49E0-A6D4-EFC535E8AEA4}" type="datetimeFigureOut">
               <a:rPr lang="zh-CN" altLang="en-US" smtClean="0"/>
-              <a:t>2021/9/7</a:t>
+              <a:t>2021/9/11</a:t>
             </a:fld>
             <a:endParaRPr lang="zh-CN" altLang="en-US"/>
           </a:p>
@@ -1967,7 +1968,7 @@
           <a:p>
             <a:fld id="{E0B00FDC-5295-49E0-A6D4-EFC535E8AEA4}" type="datetimeFigureOut">
               <a:rPr lang="zh-CN" altLang="en-US" smtClean="0"/>
-              <a:t>2021/9/7</a:t>
+              <a:t>2021/9/11</a:t>
             </a:fld>
             <a:endParaRPr lang="zh-CN" altLang="en-US"/>
           </a:p>
@@ -2080,7 +2081,7 @@
           <a:p>
             <a:fld id="{E0B00FDC-5295-49E0-A6D4-EFC535E8AEA4}" type="datetimeFigureOut">
               <a:rPr lang="zh-CN" altLang="en-US" smtClean="0"/>
-              <a:t>2021/9/7</a:t>
+              <a:t>2021/9/11</a:t>
             </a:fld>
             <a:endParaRPr lang="zh-CN" altLang="en-US"/>
           </a:p>
@@ -2391,7 +2392,7 @@
           <a:p>
             <a:fld id="{E0B00FDC-5295-49E0-A6D4-EFC535E8AEA4}" type="datetimeFigureOut">
               <a:rPr lang="zh-CN" altLang="en-US" smtClean="0"/>
-              <a:t>2021/9/7</a:t>
+              <a:t>2021/9/11</a:t>
             </a:fld>
             <a:endParaRPr lang="zh-CN" altLang="en-US"/>
           </a:p>
@@ -2679,7 +2680,7 @@
           <a:p>
             <a:fld id="{E0B00FDC-5295-49E0-A6D4-EFC535E8AEA4}" type="datetimeFigureOut">
               <a:rPr lang="zh-CN" altLang="en-US" smtClean="0"/>
-              <a:t>2021/9/7</a:t>
+              <a:t>2021/9/11</a:t>
             </a:fld>
             <a:endParaRPr lang="zh-CN" altLang="en-US"/>
           </a:p>
@@ -2923,7 +2924,7 @@
           <a:p>
             <a:fld id="{E0B00FDC-5295-49E0-A6D4-EFC535E8AEA4}" type="datetimeFigureOut">
               <a:rPr lang="zh-CN" altLang="en-US" smtClean="0"/>
-              <a:t>2021/9/7</a:t>
+              <a:t>2021/9/11</a:t>
             </a:fld>
             <a:endParaRPr lang="zh-CN" altLang="en-US"/>
           </a:p>
@@ -3465,7 +3466,7 @@
                 <a:latin typeface="Fira Code" panose="020B0809050000020004" pitchFamily="49" charset="0"/>
                 <a:ea typeface="Fira Code" panose="020B0809050000020004" pitchFamily="49" charset="0"/>
               </a:rPr>
-              <a:t>邮箱</a:t>
+              <a:t>电话</a:t>
             </a:r>
             <a:endParaRPr lang="zh-CN" altLang="en-US" sz="4400" b="1" dirty="0">
               <a:solidFill>
@@ -3490,8 +3491,8 @@
         </p:nvSpPr>
         <p:spPr>
           <a:xfrm>
-            <a:off x="1133476" y="2591784"/>
-            <a:ext cx="5191124" cy="3785652"/>
+            <a:off x="1133476" y="2865866"/>
+            <a:ext cx="5191124" cy="2677656"/>
           </a:xfrm>
           <a:prstGeom prst="rect">
             <a:avLst/>
@@ -3512,7 +3513,7 @@
                 <a:latin typeface="Fira Code" panose="020B0809050000020004" pitchFamily="49" charset="0"/>
                 <a:ea typeface="Fira Code" panose="020B0809050000020004" pitchFamily="49" charset="0"/>
               </a:rPr>
-              <a:t>qokuve.vdnaftvpt@265.com</a:t>
+              <a:t>13482677636</a:t>
             </a:r>
           </a:p>
           <a:p>
@@ -3524,7 +3525,7 @@
                 <a:latin typeface="Fira Code" panose="020B0809050000020004" pitchFamily="49" charset="0"/>
                 <a:ea typeface="Fira Code" panose="020B0809050000020004" pitchFamily="49" charset="0"/>
               </a:rPr>
-              <a:t>sotvkh@eyou.com</a:t>
+              <a:t>01013421984671</a:t>
             </a:r>
           </a:p>
           <a:p>
@@ -3536,7 +3537,7 @@
                 <a:latin typeface="Fira Code" panose="020B0809050000020004" pitchFamily="49" charset="0"/>
                 <a:ea typeface="Fira Code" panose="020B0809050000020004" pitchFamily="49" charset="0"/>
               </a:rPr>
-              <a:t>wvvbbuw@sohu.com</a:t>
+              <a:t>13496851339</a:t>
             </a:r>
           </a:p>
           <a:p>
@@ -3548,7 +3549,7 @@
                 <a:latin typeface="Fira Code" panose="020B0809050000020004" pitchFamily="49" charset="0"/>
                 <a:ea typeface="Fira Code" panose="020B0809050000020004" pitchFamily="49" charset="0"/>
               </a:rPr>
-              <a:t>lsbwdrbn@sogou.com</a:t>
+              <a:t>13489547460</a:t>
             </a:r>
           </a:p>
           <a:p>
@@ -3560,7 +3561,7 @@
                 <a:latin typeface="Fira Code" panose="020B0809050000020004" pitchFamily="49" charset="0"/>
                 <a:ea typeface="Fira Code" panose="020B0809050000020004" pitchFamily="49" charset="0"/>
               </a:rPr>
-              <a:t>faclcgjaebdhp@35.com</a:t>
+              <a:t>13423305780</a:t>
             </a:r>
           </a:p>
           <a:p>
@@ -3572,63 +3573,20 @@
                 <a:latin typeface="Fira Code" panose="020B0809050000020004" pitchFamily="49" charset="0"/>
                 <a:ea typeface="Fira Code" panose="020B0809050000020004" pitchFamily="49" charset="0"/>
               </a:rPr>
-              <a:t>hmshsbtoulnriw@hotmail.com</a:t>
+              <a:t>13417379430</a:t>
             </a:r>
           </a:p>
           <a:p>
             <a:r>
               <a:rPr lang="en-US" altLang="zh-CN" sz="2400" b="1" dirty="0">
                 <a:solidFill>
-                  <a:srgbClr val="393E46"/>
-                </a:solidFill>
-                <a:latin typeface="Fira Code" panose="020B0809050000020004" pitchFamily="49" charset="0"/>
-                <a:ea typeface="Fira Code" panose="020B0809050000020004" pitchFamily="49" charset="0"/>
-              </a:rPr>
-              <a:t>weela@xinhuanet.net</a:t>
-            </a:r>
-          </a:p>
-          <a:p>
-            <a:r>
-              <a:rPr lang="en-US" altLang="zh-CN" sz="2400" b="1" dirty="0">
-                <a:solidFill>
-                  <a:srgbClr val="393E46"/>
-                </a:solidFill>
-                <a:latin typeface="Fira Code" panose="020B0809050000020004" pitchFamily="49" charset="0"/>
-                <a:ea typeface="Fira Code" panose="020B0809050000020004" pitchFamily="49" charset="0"/>
-              </a:rPr>
-              <a:t>jquvvfafp@21cn.com</a:t>
-            </a:r>
-          </a:p>
-          <a:p>
-            <a:r>
-              <a:rPr lang="en-US" altLang="zh-CN" sz="2400" b="1" dirty="0">
-                <a:solidFill>
-                  <a:srgbClr val="393E46"/>
-                </a:solidFill>
-                <a:latin typeface="Fira Code" panose="020B0809050000020004" pitchFamily="49" charset="0"/>
-                <a:ea typeface="Fira Code" panose="020B0809050000020004" pitchFamily="49" charset="0"/>
-              </a:rPr>
-              <a:t>nrlrauj@263.net</a:t>
-            </a:r>
-          </a:p>
-          <a:p>
-            <a:r>
-              <a:rPr lang="en-US" altLang="zh-CN" sz="2400" b="1" dirty="0">
-                <a:solidFill>
-                  <a:srgbClr val="393E46"/>
-                </a:solidFill>
-                <a:latin typeface="Fira Code" panose="020B0809050000020004" pitchFamily="49" charset="0"/>
-                <a:ea typeface="Fira Code" panose="020B0809050000020004" pitchFamily="49" charset="0"/>
-              </a:rPr>
-              <a:t>Charl.Brian@whu.edu.cn</a:t>
-            </a:r>
-            <a:endParaRPr lang="en-US" altLang="zh-CN" sz="2400" b="1" dirty="0">
-              <a:solidFill>
-                <a:srgbClr val="C00000"/>
-              </a:solidFill>
-              <a:latin typeface="Fira Code" panose="020B0809050000020004" pitchFamily="49" charset="0"/>
-              <a:ea typeface="Fira Code" panose="020B0809050000020004" pitchFamily="49" charset="0"/>
-            </a:endParaRPr>
+                  <a:srgbClr val="C00000"/>
+                </a:solidFill>
+                <a:latin typeface="Fira Code" panose="020B0809050000020004" pitchFamily="49" charset="0"/>
+                <a:ea typeface="Fira Code" panose="020B0809050000020004" pitchFamily="49" charset="0"/>
+              </a:rPr>
+              <a:t>13565732107</a:t>
+            </a:r>
           </a:p>
         </p:txBody>
       </p:sp>
@@ -3646,8 +3604,8 @@
         </p:nvSpPr>
         <p:spPr>
           <a:xfrm>
-            <a:off x="6324600" y="2506059"/>
-            <a:ext cx="5191124" cy="523220"/>
+            <a:off x="5286376" y="2761091"/>
+            <a:ext cx="5838824" cy="523220"/>
           </a:xfrm>
           <a:prstGeom prst="rect">
             <a:avLst/>
@@ -3668,7 +3626,27 @@
                 <a:latin typeface="Fira Code" panose="020B0809050000020004" pitchFamily="49" charset="0"/>
                 <a:ea typeface="Fira Code" panose="020B0809050000020004" pitchFamily="49" charset="0"/>
               </a:rPr>
-              <a:t>获取邮箱中的用户名和域名？</a:t>
+              <a:t>获取所有以</a:t>
+            </a:r>
+            <a:r>
+              <a:rPr lang="en-US" altLang="zh-CN" sz="2800" b="1" dirty="0">
+                <a:solidFill>
+                  <a:srgbClr val="393E46"/>
+                </a:solidFill>
+                <a:latin typeface="Fira Code" panose="020B0809050000020004" pitchFamily="49" charset="0"/>
+                <a:ea typeface="Fira Code" panose="020B0809050000020004" pitchFamily="49" charset="0"/>
+              </a:rPr>
+              <a:t>134</a:t>
+            </a:r>
+            <a:r>
+              <a:rPr lang="zh-CN" altLang="en-US" sz="2800" b="1" dirty="0">
+                <a:solidFill>
+                  <a:srgbClr val="393E46"/>
+                </a:solidFill>
+                <a:latin typeface="Fira Code" panose="020B0809050000020004" pitchFamily="49" charset="0"/>
+                <a:ea typeface="Fira Code" panose="020B0809050000020004" pitchFamily="49" charset="0"/>
+              </a:rPr>
+              <a:t>开头的合法电话号码？</a:t>
             </a:r>
             <a:endParaRPr lang="en-US" altLang="zh-CN" sz="2800" b="1" dirty="0">
               <a:solidFill>
@@ -3683,7 +3661,7 @@
     </p:spTree>
     <p:extLst>
       <p:ext uri="{BB962C8B-B14F-4D97-AF65-F5344CB8AC3E}">
-        <p14:creationId xmlns:p14="http://schemas.microsoft.com/office/powerpoint/2010/main" val="3847044260"/>
+        <p14:creationId xmlns:p14="http://schemas.microsoft.com/office/powerpoint/2010/main" val="3192558446"/>
       </p:ext>
     </p:extLst>
   </p:cSld>
@@ -3746,6 +3724,287 @@
                 <a:latin typeface="Fira Code" panose="020B0809050000020004" pitchFamily="49" charset="0"/>
                 <a:ea typeface="Fira Code" panose="020B0809050000020004" pitchFamily="49" charset="0"/>
               </a:rPr>
+              <a:t>邮箱</a:t>
+            </a:r>
+            <a:endParaRPr lang="zh-CN" altLang="en-US" sz="4400" b="1" dirty="0">
+              <a:solidFill>
+                <a:srgbClr val="00ADB5"/>
+              </a:solidFill>
+              <a:latin typeface="Fira Code" panose="020B0809050000020004" pitchFamily="49" charset="0"/>
+            </a:endParaRPr>
+          </a:p>
+        </p:txBody>
+      </p:sp>
+      <p:sp>
+        <p:nvSpPr>
+          <p:cNvPr id="6" name="文本框 5">
+            <a:extLst>
+              <a:ext uri="{FF2B5EF4-FFF2-40B4-BE49-F238E27FC236}">
+                <a16:creationId xmlns:a16="http://schemas.microsoft.com/office/drawing/2014/main" id="{3CDF49DA-2085-4746-8A20-240BB6BEABFE}"/>
+              </a:ext>
+            </a:extLst>
+          </p:cNvPr>
+          <p:cNvSpPr txBox="1"/>
+          <p:nvPr/>
+        </p:nvSpPr>
+        <p:spPr>
+          <a:xfrm>
+            <a:off x="1133476" y="2591784"/>
+            <a:ext cx="5191124" cy="3785652"/>
+          </a:xfrm>
+          <a:prstGeom prst="rect">
+            <a:avLst/>
+          </a:prstGeom>
+          <a:noFill/>
+        </p:spPr>
+        <p:txBody>
+          <a:bodyPr wrap="square" rtlCol="0">
+            <a:spAutoFit/>
+          </a:bodyPr>
+          <a:lstStyle/>
+          <a:p>
+            <a:r>
+              <a:rPr lang="en-US" altLang="zh-CN" sz="2400" b="1" dirty="0">
+                <a:solidFill>
+                  <a:srgbClr val="393E46"/>
+                </a:solidFill>
+                <a:latin typeface="Fira Code" panose="020B0809050000020004" pitchFamily="49" charset="0"/>
+                <a:ea typeface="Fira Code" panose="020B0809050000020004" pitchFamily="49" charset="0"/>
+              </a:rPr>
+              <a:t>qokuve.vdnaftvpt@265.com</a:t>
+            </a:r>
+          </a:p>
+          <a:p>
+            <a:r>
+              <a:rPr lang="en-US" altLang="zh-CN" sz="2400" b="1" dirty="0">
+                <a:solidFill>
+                  <a:srgbClr val="393E46"/>
+                </a:solidFill>
+                <a:latin typeface="Fira Code" panose="020B0809050000020004" pitchFamily="49" charset="0"/>
+                <a:ea typeface="Fira Code" panose="020B0809050000020004" pitchFamily="49" charset="0"/>
+              </a:rPr>
+              <a:t>sotvkh@eyou.com</a:t>
+            </a:r>
+          </a:p>
+          <a:p>
+            <a:r>
+              <a:rPr lang="en-US" altLang="zh-CN" sz="2400" b="1" dirty="0">
+                <a:solidFill>
+                  <a:srgbClr val="393E46"/>
+                </a:solidFill>
+                <a:latin typeface="Fira Code" panose="020B0809050000020004" pitchFamily="49" charset="0"/>
+                <a:ea typeface="Fira Code" panose="020B0809050000020004" pitchFamily="49" charset="0"/>
+              </a:rPr>
+              <a:t>wvvbbuw@sohu.com</a:t>
+            </a:r>
+          </a:p>
+          <a:p>
+            <a:r>
+              <a:rPr lang="en-US" altLang="zh-CN" sz="2400" b="1" dirty="0">
+                <a:solidFill>
+                  <a:srgbClr val="393E46"/>
+                </a:solidFill>
+                <a:latin typeface="Fira Code" panose="020B0809050000020004" pitchFamily="49" charset="0"/>
+                <a:ea typeface="Fira Code" panose="020B0809050000020004" pitchFamily="49" charset="0"/>
+              </a:rPr>
+              <a:t>lsbwdrbn@sogou.com</a:t>
+            </a:r>
+          </a:p>
+          <a:p>
+            <a:r>
+              <a:rPr lang="en-US" altLang="zh-CN" sz="2400" b="1" dirty="0">
+                <a:solidFill>
+                  <a:srgbClr val="393E46"/>
+                </a:solidFill>
+                <a:latin typeface="Fira Code" panose="020B0809050000020004" pitchFamily="49" charset="0"/>
+                <a:ea typeface="Fira Code" panose="020B0809050000020004" pitchFamily="49" charset="0"/>
+              </a:rPr>
+              <a:t>faclcgjaebdhp@35.com</a:t>
+            </a:r>
+          </a:p>
+          <a:p>
+            <a:r>
+              <a:rPr lang="en-US" altLang="zh-CN" sz="2400" b="1" dirty="0">
+                <a:solidFill>
+                  <a:srgbClr val="393E46"/>
+                </a:solidFill>
+                <a:latin typeface="Fira Code" panose="020B0809050000020004" pitchFamily="49" charset="0"/>
+                <a:ea typeface="Fira Code" panose="020B0809050000020004" pitchFamily="49" charset="0"/>
+              </a:rPr>
+              <a:t>hmshsbtoulnriw@hotmail.com</a:t>
+            </a:r>
+          </a:p>
+          <a:p>
+            <a:r>
+              <a:rPr lang="en-US" altLang="zh-CN" sz="2400" b="1" dirty="0">
+                <a:solidFill>
+                  <a:srgbClr val="393E46"/>
+                </a:solidFill>
+                <a:latin typeface="Fira Code" panose="020B0809050000020004" pitchFamily="49" charset="0"/>
+                <a:ea typeface="Fira Code" panose="020B0809050000020004" pitchFamily="49" charset="0"/>
+              </a:rPr>
+              <a:t>weela@xinhuanet.net</a:t>
+            </a:r>
+          </a:p>
+          <a:p>
+            <a:r>
+              <a:rPr lang="en-US" altLang="zh-CN" sz="2400" b="1" dirty="0">
+                <a:solidFill>
+                  <a:srgbClr val="393E46"/>
+                </a:solidFill>
+                <a:latin typeface="Fira Code" panose="020B0809050000020004" pitchFamily="49" charset="0"/>
+                <a:ea typeface="Fira Code" panose="020B0809050000020004" pitchFamily="49" charset="0"/>
+              </a:rPr>
+              <a:t>jquvvfafp@21cn.com</a:t>
+            </a:r>
+          </a:p>
+          <a:p>
+            <a:r>
+              <a:rPr lang="en-US" altLang="zh-CN" sz="2400" b="1" dirty="0">
+                <a:solidFill>
+                  <a:srgbClr val="393E46"/>
+                </a:solidFill>
+                <a:latin typeface="Fira Code" panose="020B0809050000020004" pitchFamily="49" charset="0"/>
+                <a:ea typeface="Fira Code" panose="020B0809050000020004" pitchFamily="49" charset="0"/>
+              </a:rPr>
+              <a:t>nrlrauj@263.net</a:t>
+            </a:r>
+          </a:p>
+          <a:p>
+            <a:r>
+              <a:rPr lang="en-US" altLang="zh-CN" sz="2400" b="1" dirty="0">
+                <a:solidFill>
+                  <a:srgbClr val="393E46"/>
+                </a:solidFill>
+                <a:latin typeface="Fira Code" panose="020B0809050000020004" pitchFamily="49" charset="0"/>
+                <a:ea typeface="Fira Code" panose="020B0809050000020004" pitchFamily="49" charset="0"/>
+              </a:rPr>
+              <a:t>Charl.Brian@whu.edu.cn</a:t>
+            </a:r>
+            <a:endParaRPr lang="en-US" altLang="zh-CN" sz="2400" b="1" dirty="0">
+              <a:solidFill>
+                <a:srgbClr val="C00000"/>
+              </a:solidFill>
+              <a:latin typeface="Fira Code" panose="020B0809050000020004" pitchFamily="49" charset="0"/>
+              <a:ea typeface="Fira Code" panose="020B0809050000020004" pitchFamily="49" charset="0"/>
+            </a:endParaRPr>
+          </a:p>
+        </p:txBody>
+      </p:sp>
+      <p:sp>
+        <p:nvSpPr>
+          <p:cNvPr id="8" name="文本框 7">
+            <a:extLst>
+              <a:ext uri="{FF2B5EF4-FFF2-40B4-BE49-F238E27FC236}">
+                <a16:creationId xmlns:a16="http://schemas.microsoft.com/office/drawing/2014/main" id="{FBDF7303-DD20-4FFB-A125-8FFCCF5B91F7}"/>
+              </a:ext>
+            </a:extLst>
+          </p:cNvPr>
+          <p:cNvSpPr txBox="1"/>
+          <p:nvPr/>
+        </p:nvSpPr>
+        <p:spPr>
+          <a:xfrm>
+            <a:off x="6324600" y="2506059"/>
+            <a:ext cx="5191124" cy="523220"/>
+          </a:xfrm>
+          <a:prstGeom prst="rect">
+            <a:avLst/>
+          </a:prstGeom>
+          <a:noFill/>
+        </p:spPr>
+        <p:txBody>
+          <a:bodyPr wrap="square" rtlCol="0">
+            <a:spAutoFit/>
+          </a:bodyPr>
+          <a:lstStyle/>
+          <a:p>
+            <a:r>
+              <a:rPr lang="zh-CN" altLang="en-US" sz="2800" b="1" dirty="0">
+                <a:solidFill>
+                  <a:srgbClr val="393E46"/>
+                </a:solidFill>
+                <a:latin typeface="Fira Code" panose="020B0809050000020004" pitchFamily="49" charset="0"/>
+                <a:ea typeface="Fira Code" panose="020B0809050000020004" pitchFamily="49" charset="0"/>
+              </a:rPr>
+              <a:t>获取邮箱中的用户名和域名？</a:t>
+            </a:r>
+            <a:endParaRPr lang="en-US" altLang="zh-CN" sz="2800" b="1" dirty="0">
+              <a:solidFill>
+                <a:srgbClr val="C00000"/>
+              </a:solidFill>
+              <a:latin typeface="Fira Code" panose="020B0809050000020004" pitchFamily="49" charset="0"/>
+              <a:ea typeface="Fira Code" panose="020B0809050000020004" pitchFamily="49" charset="0"/>
+            </a:endParaRPr>
+          </a:p>
+        </p:txBody>
+      </p:sp>
+    </p:spTree>
+    <p:extLst>
+      <p:ext uri="{BB962C8B-B14F-4D97-AF65-F5344CB8AC3E}">
+        <p14:creationId xmlns:p14="http://schemas.microsoft.com/office/powerpoint/2010/main" val="3847044260"/>
+      </p:ext>
+    </p:extLst>
+  </p:cSld>
+  <p:clrMapOvr>
+    <a:masterClrMapping/>
+  </p:clrMapOvr>
+</p:sld>
+</file>
+
+<file path=ppt/slides/slide12.xml><?xml version="1.0" encoding="utf-8"?>
+<p:sld xmlns:a="http://schemas.openxmlformats.org/drawingml/2006/main" xmlns:r="http://schemas.openxmlformats.org/officeDocument/2006/relationships" xmlns:p="http://schemas.openxmlformats.org/presentationml/2006/main">
+  <p:cSld>
+    <p:spTree>
+      <p:nvGrpSpPr>
+        <p:cNvPr id="1" name=""/>
+        <p:cNvGrpSpPr/>
+        <p:nvPr/>
+      </p:nvGrpSpPr>
+      <p:grpSpPr>
+        <a:xfrm>
+          <a:off x="0" y="0"/>
+          <a:ext cx="0" cy="0"/>
+          <a:chOff x="0" y="0"/>
+          <a:chExt cx="0" cy="0"/>
+        </a:xfrm>
+      </p:grpSpPr>
+      <p:sp>
+        <p:nvSpPr>
+          <p:cNvPr id="5" name="文本框 4">
+            <a:extLst>
+              <a:ext uri="{FF2B5EF4-FFF2-40B4-BE49-F238E27FC236}">
+                <a16:creationId xmlns:a16="http://schemas.microsoft.com/office/drawing/2014/main" id="{17ACA569-AC86-45DC-BCD8-6DA26A93E33A}"/>
+              </a:ext>
+            </a:extLst>
+          </p:cNvPr>
+          <p:cNvSpPr txBox="1"/>
+          <p:nvPr/>
+        </p:nvSpPr>
+        <p:spPr>
+          <a:xfrm>
+            <a:off x="1133476" y="1603950"/>
+            <a:ext cx="7486649" cy="769441"/>
+          </a:xfrm>
+          <a:prstGeom prst="rect">
+            <a:avLst/>
+          </a:prstGeom>
+          <a:noFill/>
+        </p:spPr>
+        <p:txBody>
+          <a:bodyPr wrap="square" rtlCol="0">
+            <a:spAutoFit/>
+          </a:bodyPr>
+          <a:lstStyle/>
+          <a:p>
+            <a:r>
+              <a:rPr lang="zh-CN" altLang="en-US" sz="4400" b="1" dirty="0">
+                <a:solidFill>
+                  <a:srgbClr val="00ADB5"/>
+                </a:solidFill>
+                <a:latin typeface="Fira Code" panose="020B0809050000020004" pitchFamily="49" charset="0"/>
+                <a:ea typeface="Fira Code" panose="020B0809050000020004" pitchFamily="49" charset="0"/>
+              </a:rPr>
               <a:t>经纬度匹配</a:t>
             </a:r>
             <a:endParaRPr lang="zh-CN" altLang="en-US" sz="4400" b="1" dirty="0">
@@ -3826,7 +4085,7 @@
 </p:sld>
 </file>
 
-<file path=ppt/slides/slide12.xml><?xml version="1.0" encoding="utf-8"?>
+<file path=ppt/slides/slide13.xml><?xml version="1.0" encoding="utf-8"?>
 <p:sld xmlns:a="http://schemas.openxmlformats.org/drawingml/2006/main" xmlns:r="http://schemas.openxmlformats.org/officeDocument/2006/relationships" xmlns:p="http://schemas.openxmlformats.org/presentationml/2006/main">
   <p:cSld>
     <p:spTree>
@@ -3922,10 +4181,10 @@
       </p:grpSpPr>
       <p:sp>
         <p:nvSpPr>
-          <p:cNvPr id="5" name="文本框 4">
-            <a:extLst>
-              <a:ext uri="{FF2B5EF4-FFF2-40B4-BE49-F238E27FC236}">
-                <a16:creationId xmlns:a16="http://schemas.microsoft.com/office/drawing/2014/main" id="{17ACA569-AC86-45DC-BCD8-6DA26A93E33A}"/>
+          <p:cNvPr id="4" name="文本框 3">
+            <a:extLst>
+              <a:ext uri="{FF2B5EF4-FFF2-40B4-BE49-F238E27FC236}">
+                <a16:creationId xmlns:a16="http://schemas.microsoft.com/office/drawing/2014/main" id="{E8D00C4A-FADA-4158-A44E-8CBC9589AF80}"/>
               </a:ext>
             </a:extLst>
           </p:cNvPr>
@@ -3934,8 +4193,8 @@
         </p:nvSpPr>
         <p:spPr>
           <a:xfrm>
-            <a:off x="1133476" y="1603950"/>
-            <a:ext cx="5372099" cy="769441"/>
+            <a:off x="904876" y="982176"/>
+            <a:ext cx="7896224" cy="4893647"/>
           </a:xfrm>
           <a:prstGeom prst="rect">
             <a:avLst/>
@@ -3949,16 +4208,28 @@
           <a:lstStyle/>
           <a:p>
             <a:r>
-              <a:rPr lang="zh-CN" altLang="en-US" sz="4400" b="1" dirty="0">
+              <a:rPr lang="en-US" altLang="zh-CN" sz="8000" b="1" dirty="0">
+                <a:solidFill>
+                  <a:srgbClr val="393E46"/>
+                </a:solidFill>
+                <a:latin typeface="Fira Code" panose="020B0809050000020004" pitchFamily="49" charset="0"/>
+                <a:ea typeface="Fira Code" panose="020B0809050000020004" pitchFamily="49" charset="0"/>
+              </a:rPr>
+              <a:t>REGULAR EXPRESSION PARSER</a:t>
+            </a:r>
+          </a:p>
+          <a:p>
+            <a:r>
+              <a:rPr lang="zh-CN" altLang="en-US" sz="7200" b="1" dirty="0">
                 <a:solidFill>
                   <a:srgbClr val="00ADB5"/>
                 </a:solidFill>
                 <a:latin typeface="Fira Code" panose="020B0809050000020004" pitchFamily="49" charset="0"/>
                 <a:ea typeface="Fira Code" panose="020B0809050000020004" pitchFamily="49" charset="0"/>
               </a:rPr>
-              <a:t>正则表达式在线解析</a:t>
-            </a:r>
-            <a:endParaRPr lang="zh-CN" altLang="en-US" sz="4400" b="1" dirty="0">
+              <a:t>正则表达式解析器</a:t>
+            </a:r>
+            <a:endParaRPr lang="zh-CN" altLang="en-US" sz="7200" b="1" dirty="0">
               <a:solidFill>
                 <a:srgbClr val="00ADB5"/>
               </a:solidFill>
@@ -3967,57 +4238,10 @@
           </a:p>
         </p:txBody>
       </p:sp>
-      <p:sp>
-        <p:nvSpPr>
-          <p:cNvPr id="6" name="文本框 5">
-            <a:extLst>
-              <a:ext uri="{FF2B5EF4-FFF2-40B4-BE49-F238E27FC236}">
-                <a16:creationId xmlns:a16="http://schemas.microsoft.com/office/drawing/2014/main" id="{3CDF49DA-2085-4746-8A20-240BB6BEABFE}"/>
-              </a:ext>
-            </a:extLst>
-          </p:cNvPr>
-          <p:cNvSpPr txBox="1"/>
-          <p:nvPr/>
-        </p:nvSpPr>
-        <p:spPr>
-          <a:xfrm>
-            <a:off x="1133476" y="3429000"/>
-            <a:ext cx="4156907" cy="461665"/>
-          </a:xfrm>
-          <a:prstGeom prst="rect">
-            <a:avLst/>
-          </a:prstGeom>
-          <a:noFill/>
-        </p:spPr>
-        <p:txBody>
-          <a:bodyPr wrap="none" rtlCol="0">
-            <a:spAutoFit/>
-          </a:bodyPr>
-          <a:lstStyle/>
-          <a:p>
-            <a:r>
-              <a:rPr lang="en-GB" altLang="zh-CN" sz="2400" b="1" dirty="0">
-                <a:solidFill>
-                  <a:srgbClr val="393E46"/>
-                </a:solidFill>
-                <a:latin typeface="Fira Code" panose="020B0809050000020004" pitchFamily="49" charset="0"/>
-                <a:ea typeface="Fira Code" panose="020B0809050000020004" pitchFamily="49" charset="0"/>
-              </a:rPr>
-              <a:t>https://regex101.com/</a:t>
-            </a:r>
-            <a:endParaRPr lang="zh-CN" altLang="en-US" sz="2400" b="1" dirty="0">
-              <a:solidFill>
-                <a:srgbClr val="393E46"/>
-              </a:solidFill>
-              <a:latin typeface="Fira Code" panose="020B0809050000020004" pitchFamily="49" charset="0"/>
-            </a:endParaRPr>
-          </a:p>
-        </p:txBody>
-      </p:sp>
     </p:spTree>
     <p:extLst>
       <p:ext uri="{BB962C8B-B14F-4D97-AF65-F5344CB8AC3E}">
-        <p14:creationId xmlns:p14="http://schemas.microsoft.com/office/powerpoint/2010/main" val="145137259"/>
+        <p14:creationId xmlns:p14="http://schemas.microsoft.com/office/powerpoint/2010/main" val="3949402056"/>
       </p:ext>
     </p:extLst>
   </p:cSld>
@@ -4059,7 +4283,7 @@
         <p:spPr>
           <a:xfrm>
             <a:off x="1133476" y="1603950"/>
-            <a:ext cx="7486649" cy="769441"/>
+            <a:ext cx="5372099" cy="769441"/>
           </a:xfrm>
           <a:prstGeom prst="rect">
             <a:avLst/>
@@ -4080,7 +4304,7 @@
                 <a:latin typeface="Fira Code" panose="020B0809050000020004" pitchFamily="49" charset="0"/>
                 <a:ea typeface="Fira Code" panose="020B0809050000020004" pitchFamily="49" charset="0"/>
               </a:rPr>
-              <a:t>元字符</a:t>
+              <a:t>正则表达式在线解析</a:t>
             </a:r>
             <a:endParaRPr lang="zh-CN" altLang="en-US" sz="4400" b="1" dirty="0">
               <a:solidFill>
@@ -4105,8 +4329,8 @@
         </p:nvSpPr>
         <p:spPr>
           <a:xfrm>
-            <a:off x="1057276" y="2961116"/>
-            <a:ext cx="7896224" cy="3785652"/>
+            <a:off x="1133476" y="3429000"/>
+            <a:ext cx="4156907" cy="461665"/>
           </a:xfrm>
           <a:prstGeom prst="rect">
             <a:avLst/>
@@ -4114,50 +4338,12 @@
           <a:noFill/>
         </p:spPr>
         <p:txBody>
-          <a:bodyPr wrap="square" rtlCol="0">
+          <a:bodyPr wrap="none" rtlCol="0">
             <a:spAutoFit/>
           </a:bodyPr>
           <a:lstStyle/>
           <a:p>
             <a:r>
-              <a:rPr lang="en-US" altLang="zh-CN" sz="2400" b="1" dirty="0">
-                <a:solidFill>
-                  <a:srgbClr val="393E46"/>
-                </a:solidFill>
-                <a:latin typeface="Fira Code" panose="020B0809050000020004" pitchFamily="49" charset="0"/>
-                <a:ea typeface="Fira Code" panose="020B0809050000020004" pitchFamily="49" charset="0"/>
-              </a:rPr>
-              <a:t>.</a:t>
-            </a:r>
-            <a:r>
-              <a:rPr lang="zh-CN" altLang="en-US" sz="2400" b="1" dirty="0">
-                <a:solidFill>
-                  <a:srgbClr val="393E46"/>
-                </a:solidFill>
-                <a:latin typeface="Fira Code" panose="020B0809050000020004" pitchFamily="49" charset="0"/>
-                <a:ea typeface="Fira Code" panose="020B0809050000020004" pitchFamily="49" charset="0"/>
-              </a:rPr>
-              <a:t>   匹配所有字符</a:t>
-            </a:r>
-            <a:endParaRPr lang="en-US" altLang="zh-CN" sz="2400" b="1" dirty="0">
-              <a:solidFill>
-                <a:srgbClr val="393E46"/>
-              </a:solidFill>
-              <a:latin typeface="Fira Code" panose="020B0809050000020004" pitchFamily="49" charset="0"/>
-              <a:ea typeface="Fira Code" panose="020B0809050000020004" pitchFamily="49" charset="0"/>
-            </a:endParaRPr>
-          </a:p>
-          <a:p>
-            <a:endParaRPr lang="en-GB" altLang="zh-CN" sz="2400" b="1" dirty="0">
-              <a:solidFill>
-                <a:srgbClr val="393E46"/>
-              </a:solidFill>
-              <a:latin typeface="Fira Code" panose="020B0809050000020004" pitchFamily="49" charset="0"/>
-              <a:ea typeface="Fira Code" panose="020B0809050000020004" pitchFamily="49" charset="0"/>
-            </a:endParaRPr>
-          </a:p>
-          <a:p>
-            <a:r>
               <a:rPr lang="en-GB" altLang="zh-CN" sz="2400" b="1" dirty="0">
                 <a:solidFill>
                   <a:srgbClr val="393E46"/>
@@ -4165,332 +4351,7 @@
                 <a:latin typeface="Fira Code" panose="020B0809050000020004" pitchFamily="49" charset="0"/>
                 <a:ea typeface="Fira Code" panose="020B0809050000020004" pitchFamily="49" charset="0"/>
               </a:rPr>
-              <a:t>\s  </a:t>
-            </a:r>
-            <a:r>
-              <a:rPr lang="zh-CN" altLang="en-US" sz="2400" b="1" dirty="0">
-                <a:solidFill>
-                  <a:srgbClr val="393E46"/>
-                </a:solidFill>
-                <a:latin typeface="Fira Code" panose="020B0809050000020004" pitchFamily="49" charset="0"/>
-                <a:ea typeface="Fira Code" panose="020B0809050000020004" pitchFamily="49" charset="0"/>
-              </a:rPr>
-              <a:t>用于匹配空格</a:t>
-            </a:r>
-          </a:p>
-          <a:p>
-            <a:endParaRPr lang="zh-CN" altLang="en-US" sz="2400" b="1" dirty="0">
-              <a:solidFill>
-                <a:srgbClr val="393E46"/>
-              </a:solidFill>
-              <a:latin typeface="Fira Code" panose="020B0809050000020004" pitchFamily="49" charset="0"/>
-              <a:ea typeface="Fira Code" panose="020B0809050000020004" pitchFamily="49" charset="0"/>
-            </a:endParaRPr>
-          </a:p>
-          <a:p>
-            <a:r>
-              <a:rPr lang="en-US" altLang="zh-CN" sz="2400" b="1" dirty="0">
-                <a:solidFill>
-                  <a:srgbClr val="393E46"/>
-                </a:solidFill>
-                <a:latin typeface="Fira Code" panose="020B0809050000020004" pitchFamily="49" charset="0"/>
-                <a:ea typeface="Fira Code" panose="020B0809050000020004" pitchFamily="49" charset="0"/>
-              </a:rPr>
-              <a:t>\</a:t>
-            </a:r>
-            <a:r>
-              <a:rPr lang="en-GB" altLang="zh-CN" sz="2400" b="1" dirty="0">
-                <a:solidFill>
-                  <a:srgbClr val="393E46"/>
-                </a:solidFill>
-                <a:latin typeface="Fira Code" panose="020B0809050000020004" pitchFamily="49" charset="0"/>
-                <a:ea typeface="Fira Code" panose="020B0809050000020004" pitchFamily="49" charset="0"/>
-              </a:rPr>
-              <a:t>S  </a:t>
-            </a:r>
-            <a:r>
-              <a:rPr lang="zh-CN" altLang="en-US" sz="2400" b="1" dirty="0">
-                <a:solidFill>
-                  <a:srgbClr val="393E46"/>
-                </a:solidFill>
-                <a:latin typeface="Fira Code" panose="020B0809050000020004" pitchFamily="49" charset="0"/>
-                <a:ea typeface="Fira Code" panose="020B0809050000020004" pitchFamily="49" charset="0"/>
-              </a:rPr>
-              <a:t>用于匹配非空格</a:t>
-            </a:r>
-          </a:p>
-          <a:p>
-            <a:endParaRPr lang="zh-CN" altLang="en-US" sz="2400" b="1" dirty="0">
-              <a:solidFill>
-                <a:srgbClr val="393E46"/>
-              </a:solidFill>
-              <a:latin typeface="Fira Code" panose="020B0809050000020004" pitchFamily="49" charset="0"/>
-              <a:ea typeface="Fira Code" panose="020B0809050000020004" pitchFamily="49" charset="0"/>
-            </a:endParaRPr>
-          </a:p>
-          <a:p>
-            <a:r>
-              <a:rPr lang="en-US" altLang="zh-CN" sz="2400" b="1" dirty="0">
-                <a:solidFill>
-                  <a:srgbClr val="393E46"/>
-                </a:solidFill>
-                <a:latin typeface="Fira Code" panose="020B0809050000020004" pitchFamily="49" charset="0"/>
-                <a:ea typeface="Fira Code" panose="020B0809050000020004" pitchFamily="49" charset="0"/>
-              </a:rPr>
-              <a:t>\</a:t>
-            </a:r>
-            <a:r>
-              <a:rPr lang="en-GB" altLang="zh-CN" sz="2400" b="1" dirty="0">
-                <a:solidFill>
-                  <a:srgbClr val="393E46"/>
-                </a:solidFill>
-                <a:latin typeface="Fira Code" panose="020B0809050000020004" pitchFamily="49" charset="0"/>
-                <a:ea typeface="Fira Code" panose="020B0809050000020004" pitchFamily="49" charset="0"/>
-              </a:rPr>
-              <a:t>d  </a:t>
-            </a:r>
-            <a:r>
-              <a:rPr lang="zh-CN" altLang="en-US" sz="2400" b="1" dirty="0">
-                <a:solidFill>
-                  <a:srgbClr val="393E46"/>
-                </a:solidFill>
-                <a:latin typeface="Fira Code" panose="020B0809050000020004" pitchFamily="49" charset="0"/>
-                <a:ea typeface="Fira Code" panose="020B0809050000020004" pitchFamily="49" charset="0"/>
-              </a:rPr>
-              <a:t>用于匹配阿拉伯数字</a:t>
-            </a:r>
-          </a:p>
-          <a:p>
-            <a:endParaRPr lang="zh-CN" altLang="en-US" sz="2400" b="1" dirty="0">
-              <a:solidFill>
-                <a:srgbClr val="393E46"/>
-              </a:solidFill>
-              <a:latin typeface="Fira Code" panose="020B0809050000020004" pitchFamily="49" charset="0"/>
-              <a:ea typeface="Fira Code" panose="020B0809050000020004" pitchFamily="49" charset="0"/>
-            </a:endParaRPr>
-          </a:p>
-          <a:p>
-            <a:r>
-              <a:rPr lang="en-US" altLang="zh-CN" sz="2400" b="1" dirty="0">
-                <a:solidFill>
-                  <a:srgbClr val="393E46"/>
-                </a:solidFill>
-                <a:latin typeface="Fira Code" panose="020B0809050000020004" pitchFamily="49" charset="0"/>
-                <a:ea typeface="Fira Code" panose="020B0809050000020004" pitchFamily="49" charset="0"/>
-              </a:rPr>
-              <a:t>\</a:t>
-            </a:r>
-            <a:r>
-              <a:rPr lang="en-GB" altLang="zh-CN" sz="2400" b="1" dirty="0">
-                <a:solidFill>
-                  <a:srgbClr val="393E46"/>
-                </a:solidFill>
-                <a:latin typeface="Fira Code" panose="020B0809050000020004" pitchFamily="49" charset="0"/>
-                <a:ea typeface="Fira Code" panose="020B0809050000020004" pitchFamily="49" charset="0"/>
-              </a:rPr>
-              <a:t>D  </a:t>
-            </a:r>
-            <a:r>
-              <a:rPr lang="zh-CN" altLang="en-US" sz="2400" b="1" dirty="0">
-                <a:solidFill>
-                  <a:srgbClr val="393E46"/>
-                </a:solidFill>
-                <a:latin typeface="Fira Code" panose="020B0809050000020004" pitchFamily="49" charset="0"/>
-                <a:ea typeface="Fira Code" panose="020B0809050000020004" pitchFamily="49" charset="0"/>
-              </a:rPr>
-              <a:t>用于匹配非阿拉伯数字</a:t>
-            </a:r>
-          </a:p>
-          <a:p>
-            <a:endParaRPr lang="zh-CN" altLang="en-US" sz="2400" b="1" dirty="0">
-              <a:solidFill>
-                <a:srgbClr val="393E46"/>
-              </a:solidFill>
-              <a:latin typeface="Fira Code" panose="020B0809050000020004" pitchFamily="49" charset="0"/>
-              <a:ea typeface="Fira Code" panose="020B0809050000020004" pitchFamily="49" charset="0"/>
-            </a:endParaRPr>
-          </a:p>
-        </p:txBody>
-      </p:sp>
-      <p:sp>
-        <p:nvSpPr>
-          <p:cNvPr id="7" name="文本框 6">
-            <a:extLst>
-              <a:ext uri="{FF2B5EF4-FFF2-40B4-BE49-F238E27FC236}">
-                <a16:creationId xmlns:a16="http://schemas.microsoft.com/office/drawing/2014/main" id="{6D3BD895-0353-41D6-83BF-D2731B013F17}"/>
-              </a:ext>
-            </a:extLst>
-          </p:cNvPr>
-          <p:cNvSpPr txBox="1"/>
-          <p:nvPr/>
-        </p:nvSpPr>
-        <p:spPr>
-          <a:xfrm>
-            <a:off x="6096000" y="2628900"/>
-            <a:ext cx="5600700" cy="3046988"/>
-          </a:xfrm>
-          <a:prstGeom prst="rect">
-            <a:avLst/>
-          </a:prstGeom>
-          <a:noFill/>
-        </p:spPr>
-        <p:txBody>
-          <a:bodyPr wrap="square" rtlCol="0">
-            <a:spAutoFit/>
-          </a:bodyPr>
-          <a:lstStyle/>
-          <a:p>
-            <a:endParaRPr lang="zh-CN" altLang="en-US" sz="2400" b="1" dirty="0">
-              <a:solidFill>
-                <a:srgbClr val="393E46"/>
-              </a:solidFill>
-              <a:latin typeface="Fira Code" panose="020B0809050000020004" pitchFamily="49" charset="0"/>
-              <a:ea typeface="Fira Code" panose="020B0809050000020004" pitchFamily="49" charset="0"/>
-            </a:endParaRPr>
-          </a:p>
-          <a:p>
-            <a:r>
-              <a:rPr lang="en-US" altLang="zh-CN" sz="2400" b="1" dirty="0">
-                <a:solidFill>
-                  <a:srgbClr val="393E46"/>
-                </a:solidFill>
-                <a:latin typeface="Fira Code" panose="020B0809050000020004" pitchFamily="49" charset="0"/>
-                <a:ea typeface="Fira Code" panose="020B0809050000020004" pitchFamily="49" charset="0"/>
-              </a:rPr>
-              <a:t>\</a:t>
-            </a:r>
-            <a:r>
-              <a:rPr lang="en-GB" altLang="zh-CN" sz="2400" b="1" dirty="0">
-                <a:solidFill>
-                  <a:srgbClr val="393E46"/>
-                </a:solidFill>
-                <a:latin typeface="Fira Code" panose="020B0809050000020004" pitchFamily="49" charset="0"/>
-                <a:ea typeface="Fira Code" panose="020B0809050000020004" pitchFamily="49" charset="0"/>
-              </a:rPr>
-              <a:t>w  </a:t>
-            </a:r>
-            <a:r>
-              <a:rPr lang="zh-CN" altLang="en-US" sz="2400" b="1" dirty="0">
-                <a:solidFill>
-                  <a:srgbClr val="393E46"/>
-                </a:solidFill>
-                <a:latin typeface="Fira Code" panose="020B0809050000020004" pitchFamily="49" charset="0"/>
-                <a:ea typeface="Fira Code" panose="020B0809050000020004" pitchFamily="49" charset="0"/>
-              </a:rPr>
-              <a:t>用于匹配字母、数字或下划线</a:t>
-            </a:r>
-          </a:p>
-          <a:p>
-            <a:endParaRPr lang="zh-CN" altLang="en-US" sz="2400" b="1" dirty="0">
-              <a:solidFill>
-                <a:srgbClr val="393E46"/>
-              </a:solidFill>
-              <a:latin typeface="Fira Code" panose="020B0809050000020004" pitchFamily="49" charset="0"/>
-              <a:ea typeface="Fira Code" panose="020B0809050000020004" pitchFamily="49" charset="0"/>
-            </a:endParaRPr>
-          </a:p>
-          <a:p>
-            <a:r>
-              <a:rPr lang="en-US" altLang="zh-CN" sz="2400" b="1" dirty="0">
-                <a:solidFill>
-                  <a:srgbClr val="393E46"/>
-                </a:solidFill>
-                <a:latin typeface="Fira Code" panose="020B0809050000020004" pitchFamily="49" charset="0"/>
-                <a:ea typeface="Fira Code" panose="020B0809050000020004" pitchFamily="49" charset="0"/>
-              </a:rPr>
-              <a:t>\</a:t>
-            </a:r>
-            <a:r>
-              <a:rPr lang="en-GB" altLang="zh-CN" sz="2400" b="1" dirty="0">
-                <a:solidFill>
-                  <a:srgbClr val="393E46"/>
-                </a:solidFill>
-                <a:latin typeface="Fira Code" panose="020B0809050000020004" pitchFamily="49" charset="0"/>
-                <a:ea typeface="Fira Code" panose="020B0809050000020004" pitchFamily="49" charset="0"/>
-              </a:rPr>
-              <a:t>W  </a:t>
-            </a:r>
-            <a:r>
-              <a:rPr lang="zh-CN" altLang="en-US" sz="2400" b="1" dirty="0">
-                <a:solidFill>
-                  <a:srgbClr val="393E46"/>
-                </a:solidFill>
-                <a:latin typeface="Fira Code" panose="020B0809050000020004" pitchFamily="49" charset="0"/>
-                <a:ea typeface="Fira Code" panose="020B0809050000020004" pitchFamily="49" charset="0"/>
-              </a:rPr>
-              <a:t>用于匹配非字母、数字或下划线</a:t>
-            </a:r>
-          </a:p>
-          <a:p>
-            <a:endParaRPr lang="zh-CN" altLang="en-US" sz="2400" b="1" dirty="0">
-              <a:solidFill>
-                <a:srgbClr val="393E46"/>
-              </a:solidFill>
-              <a:latin typeface="Fira Code" panose="020B0809050000020004" pitchFamily="49" charset="0"/>
-              <a:ea typeface="Fira Code" panose="020B0809050000020004" pitchFamily="49" charset="0"/>
-            </a:endParaRPr>
-          </a:p>
-          <a:p>
-            <a:r>
-              <a:rPr lang="en-US" altLang="zh-CN" sz="2400" b="1" dirty="0">
-                <a:solidFill>
-                  <a:srgbClr val="393E46"/>
-                </a:solidFill>
-                <a:latin typeface="Fira Code" panose="020B0809050000020004" pitchFamily="49" charset="0"/>
-                <a:ea typeface="Fira Code" panose="020B0809050000020004" pitchFamily="49" charset="0"/>
-              </a:rPr>
-              <a:t>\</a:t>
-            </a:r>
-            <a:r>
-              <a:rPr lang="en-GB" altLang="zh-CN" sz="2400" b="1" dirty="0">
-                <a:solidFill>
-                  <a:srgbClr val="393E46"/>
-                </a:solidFill>
-                <a:latin typeface="Fira Code" panose="020B0809050000020004" pitchFamily="49" charset="0"/>
-                <a:ea typeface="Fira Code" panose="020B0809050000020004" pitchFamily="49" charset="0"/>
-              </a:rPr>
-              <a:t>v  </a:t>
-            </a:r>
-            <a:r>
-              <a:rPr lang="zh-CN" altLang="en-US" sz="2400" b="1" dirty="0">
-                <a:solidFill>
-                  <a:srgbClr val="393E46"/>
-                </a:solidFill>
-                <a:latin typeface="Fira Code" panose="020B0809050000020004" pitchFamily="49" charset="0"/>
-                <a:ea typeface="Fira Code" panose="020B0809050000020004" pitchFamily="49" charset="0"/>
-              </a:rPr>
-              <a:t>用于匹配纵向空白字符</a:t>
-            </a:r>
-          </a:p>
-          <a:p>
-            <a:endParaRPr lang="zh-CN" altLang="en-US" sz="2400" b="1" dirty="0">
-              <a:solidFill>
-                <a:srgbClr val="393E46"/>
-              </a:solidFill>
-              <a:latin typeface="Fira Code" panose="020B0809050000020004" pitchFamily="49" charset="0"/>
-              <a:ea typeface="Fira Code" panose="020B0809050000020004" pitchFamily="49" charset="0"/>
-            </a:endParaRPr>
-          </a:p>
-          <a:p>
-            <a:r>
-              <a:rPr lang="en-US" altLang="zh-CN" sz="2400" b="1" dirty="0">
-                <a:solidFill>
-                  <a:srgbClr val="393E46"/>
-                </a:solidFill>
-                <a:latin typeface="Fira Code" panose="020B0809050000020004" pitchFamily="49" charset="0"/>
-                <a:ea typeface="Fira Code" panose="020B0809050000020004" pitchFamily="49" charset="0"/>
-              </a:rPr>
-              <a:t>\   </a:t>
-            </a:r>
-            <a:r>
-              <a:rPr lang="zh-CN" altLang="en-US" sz="2400" b="1" dirty="0">
-                <a:solidFill>
-                  <a:srgbClr val="393E46"/>
-                </a:solidFill>
-                <a:latin typeface="Fira Code" panose="020B0809050000020004" pitchFamily="49" charset="0"/>
-                <a:ea typeface="Fira Code" panose="020B0809050000020004" pitchFamily="49" charset="0"/>
-              </a:rPr>
-              <a:t>用于转义</a:t>
+              <a:t>https://regex101.com/</a:t>
             </a:r>
             <a:endParaRPr lang="zh-CN" altLang="en-US" sz="2400" b="1" dirty="0">
               <a:solidFill>
@@ -4504,7 +4365,7 @@
     </p:spTree>
     <p:extLst>
       <p:ext uri="{BB962C8B-B14F-4D97-AF65-F5344CB8AC3E}">
-        <p14:creationId xmlns:p14="http://schemas.microsoft.com/office/powerpoint/2010/main" val="3169515868"/>
+        <p14:creationId xmlns:p14="http://schemas.microsoft.com/office/powerpoint/2010/main" val="145137259"/>
       </p:ext>
     </p:extLst>
   </p:cSld>
@@ -4567,7 +4428,7 @@
                 <a:latin typeface="Fira Code" panose="020B0809050000020004" pitchFamily="49" charset="0"/>
                 <a:ea typeface="Fira Code" panose="020B0809050000020004" pitchFamily="49" charset="0"/>
               </a:rPr>
-              <a:t>字符组合</a:t>
+              <a:t>元字符</a:t>
             </a:r>
             <a:endParaRPr lang="zh-CN" altLang="en-US" sz="4400" b="1" dirty="0">
               <a:solidFill>
@@ -4592,8 +4453,8 @@
         </p:nvSpPr>
         <p:spPr>
           <a:xfrm>
-            <a:off x="1133476" y="2961116"/>
-            <a:ext cx="7896224" cy="2677656"/>
+            <a:off x="1057276" y="2961116"/>
+            <a:ext cx="7896224" cy="3785652"/>
           </a:xfrm>
           <a:prstGeom prst="rect">
             <a:avLst/>
@@ -4607,34 +4468,14 @@
           <a:lstStyle/>
           <a:p>
             <a:r>
-              <a:rPr lang="en-GB" altLang="zh-CN" sz="2400" b="1" dirty="0">
-                <a:solidFill>
-                  <a:srgbClr val="393E46"/>
-                </a:solidFill>
-                <a:latin typeface="Fira Code" panose="020B0809050000020004" pitchFamily="49" charset="0"/>
-                <a:ea typeface="Fira Code" panose="020B0809050000020004" pitchFamily="49" charset="0"/>
-              </a:rPr>
-              <a:t>[</a:t>
-            </a:r>
-            <a:r>
-              <a:rPr lang="en-GB" altLang="zh-CN" sz="2400" b="1" dirty="0" err="1">
-                <a:solidFill>
-                  <a:srgbClr val="393E46"/>
-                </a:solidFill>
-                <a:latin typeface="Fira Code" panose="020B0809050000020004" pitchFamily="49" charset="0"/>
-                <a:ea typeface="Fira Code" panose="020B0809050000020004" pitchFamily="49" charset="0"/>
-              </a:rPr>
-              <a:t>abc</a:t>
-            </a:r>
-            <a:r>
-              <a:rPr lang="en-GB" altLang="zh-CN" sz="2400" b="1" dirty="0">
-                <a:solidFill>
-                  <a:srgbClr val="393E46"/>
-                </a:solidFill>
-                <a:latin typeface="Fira Code" panose="020B0809050000020004" pitchFamily="49" charset="0"/>
-                <a:ea typeface="Fira Code" panose="020B0809050000020004" pitchFamily="49" charset="0"/>
-              </a:rPr>
-              <a:t>]    </a:t>
+              <a:rPr lang="en-US" altLang="zh-CN" sz="2400" b="1" dirty="0">
+                <a:solidFill>
+                  <a:srgbClr val="393E46"/>
+                </a:solidFill>
+                <a:latin typeface="Fira Code" panose="020B0809050000020004" pitchFamily="49" charset="0"/>
+                <a:ea typeface="Fira Code" panose="020B0809050000020004" pitchFamily="49" charset="0"/>
+              </a:rPr>
+              <a:t>.</a:t>
             </a:r>
             <a:r>
               <a:rPr lang="zh-CN" altLang="en-US" sz="2400" b="1" dirty="0">
@@ -4644,226 +4485,15 @@
                 <a:latin typeface="Fira Code" panose="020B0809050000020004" pitchFamily="49" charset="0"/>
                 <a:ea typeface="Fira Code" panose="020B0809050000020004" pitchFamily="49" charset="0"/>
               </a:rPr>
-              <a:t>匹配 </a:t>
-            </a:r>
-            <a:r>
-              <a:rPr lang="en-GB" altLang="zh-CN" sz="2400" b="1" dirty="0">
-                <a:solidFill>
-                  <a:srgbClr val="393E46"/>
-                </a:solidFill>
-                <a:latin typeface="Fira Code" panose="020B0809050000020004" pitchFamily="49" charset="0"/>
-                <a:ea typeface="Fira Code" panose="020B0809050000020004" pitchFamily="49" charset="0"/>
-              </a:rPr>
-              <a:t>a </a:t>
-            </a:r>
-            <a:r>
-              <a:rPr lang="zh-CN" altLang="en-US" sz="2400" b="1" dirty="0">
-                <a:solidFill>
-                  <a:srgbClr val="393E46"/>
-                </a:solidFill>
-                <a:latin typeface="Fira Code" panose="020B0809050000020004" pitchFamily="49" charset="0"/>
-                <a:ea typeface="Fira Code" panose="020B0809050000020004" pitchFamily="49" charset="0"/>
-              </a:rPr>
-              <a:t>或 </a:t>
-            </a:r>
-            <a:r>
-              <a:rPr lang="en-GB" altLang="zh-CN" sz="2400" b="1" dirty="0">
-                <a:solidFill>
-                  <a:srgbClr val="393E46"/>
-                </a:solidFill>
-                <a:latin typeface="Fira Code" panose="020B0809050000020004" pitchFamily="49" charset="0"/>
-                <a:ea typeface="Fira Code" panose="020B0809050000020004" pitchFamily="49" charset="0"/>
-              </a:rPr>
-              <a:t>b </a:t>
-            </a:r>
-            <a:r>
-              <a:rPr lang="zh-CN" altLang="en-US" sz="2400" b="1" dirty="0">
-                <a:solidFill>
-                  <a:srgbClr val="393E46"/>
-                </a:solidFill>
-                <a:latin typeface="Fira Code" panose="020B0809050000020004" pitchFamily="49" charset="0"/>
-                <a:ea typeface="Fira Code" panose="020B0809050000020004" pitchFamily="49" charset="0"/>
-              </a:rPr>
-              <a:t>或 </a:t>
-            </a:r>
-            <a:r>
-              <a:rPr lang="en-GB" altLang="zh-CN" sz="2400" b="1" dirty="0">
-                <a:solidFill>
-                  <a:srgbClr val="393E46"/>
-                </a:solidFill>
-                <a:latin typeface="Fira Code" panose="020B0809050000020004" pitchFamily="49" charset="0"/>
-                <a:ea typeface="Fira Code" panose="020B0809050000020004" pitchFamily="49" charset="0"/>
-              </a:rPr>
-              <a:t>c</a:t>
-            </a:r>
-          </a:p>
-          <a:p>
-            <a:r>
-              <a:rPr lang="en-GB" altLang="zh-CN" sz="2400" b="1" dirty="0">
-                <a:solidFill>
-                  <a:srgbClr val="393E46"/>
-                </a:solidFill>
-                <a:latin typeface="Fira Code" panose="020B0809050000020004" pitchFamily="49" charset="0"/>
-                <a:ea typeface="Fira Code" panose="020B0809050000020004" pitchFamily="49" charset="0"/>
-              </a:rPr>
-              <a:t>  </a:t>
-            </a:r>
-          </a:p>
-          <a:p>
-            <a:r>
-              <a:rPr lang="en-GB" altLang="zh-CN" sz="2400" b="1" dirty="0">
-                <a:solidFill>
-                  <a:srgbClr val="393E46"/>
-                </a:solidFill>
-                <a:latin typeface="Fira Code" panose="020B0809050000020004" pitchFamily="49" charset="0"/>
-                <a:ea typeface="Fira Code" panose="020B0809050000020004" pitchFamily="49" charset="0"/>
-              </a:rPr>
-              <a:t>[^</a:t>
-            </a:r>
-            <a:r>
-              <a:rPr lang="en-GB" altLang="zh-CN" sz="2400" b="1" dirty="0" err="1">
-                <a:solidFill>
-                  <a:srgbClr val="393E46"/>
-                </a:solidFill>
-                <a:latin typeface="Fira Code" panose="020B0809050000020004" pitchFamily="49" charset="0"/>
-                <a:ea typeface="Fira Code" panose="020B0809050000020004" pitchFamily="49" charset="0"/>
-              </a:rPr>
-              <a:t>abc</a:t>
-            </a:r>
-            <a:r>
-              <a:rPr lang="en-GB" altLang="zh-CN" sz="2400" b="1" dirty="0">
-                <a:solidFill>
-                  <a:srgbClr val="393E46"/>
-                </a:solidFill>
-                <a:latin typeface="Fira Code" panose="020B0809050000020004" pitchFamily="49" charset="0"/>
-                <a:ea typeface="Fira Code" panose="020B0809050000020004" pitchFamily="49" charset="0"/>
-              </a:rPr>
-              <a:t>]   </a:t>
-            </a:r>
-            <a:r>
-              <a:rPr lang="zh-CN" altLang="en-US" sz="2400" b="1" dirty="0">
-                <a:solidFill>
-                  <a:srgbClr val="393E46"/>
-                </a:solidFill>
-                <a:latin typeface="Fira Code" panose="020B0809050000020004" pitchFamily="49" charset="0"/>
-                <a:ea typeface="Fira Code" panose="020B0809050000020004" pitchFamily="49" charset="0"/>
-              </a:rPr>
-              <a:t>匹配非 </a:t>
-            </a:r>
-            <a:r>
-              <a:rPr lang="en-GB" altLang="zh-CN" sz="2400" b="1" dirty="0">
-                <a:solidFill>
-                  <a:srgbClr val="393E46"/>
-                </a:solidFill>
-                <a:latin typeface="Fira Code" panose="020B0809050000020004" pitchFamily="49" charset="0"/>
-                <a:ea typeface="Fira Code" panose="020B0809050000020004" pitchFamily="49" charset="0"/>
-              </a:rPr>
-              <a:t>a </a:t>
-            </a:r>
-            <a:r>
-              <a:rPr lang="zh-CN" altLang="en-US" sz="2400" b="1" dirty="0">
-                <a:solidFill>
-                  <a:srgbClr val="393E46"/>
-                </a:solidFill>
-                <a:latin typeface="Fira Code" panose="020B0809050000020004" pitchFamily="49" charset="0"/>
-                <a:ea typeface="Fira Code" panose="020B0809050000020004" pitchFamily="49" charset="0"/>
-              </a:rPr>
-              <a:t>或 </a:t>
-            </a:r>
-            <a:r>
-              <a:rPr lang="en-GB" altLang="zh-CN" sz="2400" b="1" dirty="0">
-                <a:solidFill>
-                  <a:srgbClr val="393E46"/>
-                </a:solidFill>
-                <a:latin typeface="Fira Code" panose="020B0809050000020004" pitchFamily="49" charset="0"/>
-                <a:ea typeface="Fira Code" panose="020B0809050000020004" pitchFamily="49" charset="0"/>
-              </a:rPr>
-              <a:t>b </a:t>
-            </a:r>
-            <a:r>
-              <a:rPr lang="zh-CN" altLang="en-US" sz="2400" b="1" dirty="0">
-                <a:solidFill>
-                  <a:srgbClr val="393E46"/>
-                </a:solidFill>
-                <a:latin typeface="Fira Code" panose="020B0809050000020004" pitchFamily="49" charset="0"/>
-                <a:ea typeface="Fira Code" panose="020B0809050000020004" pitchFamily="49" charset="0"/>
-              </a:rPr>
-              <a:t>或 </a:t>
-            </a:r>
-            <a:r>
-              <a:rPr lang="en-GB" altLang="zh-CN" sz="2400" b="1" dirty="0">
-                <a:solidFill>
-                  <a:srgbClr val="393E46"/>
-                </a:solidFill>
-                <a:latin typeface="Fira Code" panose="020B0809050000020004" pitchFamily="49" charset="0"/>
-                <a:ea typeface="Fira Code" panose="020B0809050000020004" pitchFamily="49" charset="0"/>
-              </a:rPr>
-              <a:t>c</a:t>
-            </a:r>
-          </a:p>
-          <a:p>
-            <a:r>
-              <a:rPr lang="en-GB" altLang="zh-CN" sz="2400" b="1" dirty="0">
-                <a:solidFill>
-                  <a:srgbClr val="393E46"/>
-                </a:solidFill>
-                <a:latin typeface="Fira Code" panose="020B0809050000020004" pitchFamily="49" charset="0"/>
-                <a:ea typeface="Fira Code" panose="020B0809050000020004" pitchFamily="49" charset="0"/>
-              </a:rPr>
-              <a:t> </a:t>
-            </a:r>
-          </a:p>
-          <a:p>
-            <a:r>
-              <a:rPr lang="en-GB" altLang="zh-CN" sz="2400" b="1" dirty="0">
-                <a:solidFill>
-                  <a:srgbClr val="393E46"/>
-                </a:solidFill>
-                <a:latin typeface="Fira Code" panose="020B0809050000020004" pitchFamily="49" charset="0"/>
-                <a:ea typeface="Fira Code" panose="020B0809050000020004" pitchFamily="49" charset="0"/>
-              </a:rPr>
-              <a:t>[a-z]    </a:t>
-            </a:r>
-            <a:r>
-              <a:rPr lang="zh-CN" altLang="en-US" sz="2400" b="1" dirty="0">
-                <a:solidFill>
-                  <a:srgbClr val="393E46"/>
-                </a:solidFill>
-                <a:latin typeface="Fira Code" panose="020B0809050000020004" pitchFamily="49" charset="0"/>
-                <a:ea typeface="Fira Code" panose="020B0809050000020004" pitchFamily="49" charset="0"/>
-              </a:rPr>
-              <a:t>匹配 </a:t>
-            </a:r>
-            <a:r>
-              <a:rPr lang="en-GB" altLang="zh-CN" sz="2400" b="1" dirty="0">
-                <a:solidFill>
-                  <a:srgbClr val="393E46"/>
-                </a:solidFill>
-                <a:latin typeface="Fira Code" panose="020B0809050000020004" pitchFamily="49" charset="0"/>
-                <a:ea typeface="Fira Code" panose="020B0809050000020004" pitchFamily="49" charset="0"/>
-              </a:rPr>
-              <a:t>a </a:t>
-            </a:r>
-            <a:r>
-              <a:rPr lang="zh-CN" altLang="en-US" sz="2400" b="1" dirty="0">
-                <a:solidFill>
-                  <a:srgbClr val="393E46"/>
-                </a:solidFill>
-                <a:latin typeface="Fira Code" panose="020B0809050000020004" pitchFamily="49" charset="0"/>
-                <a:ea typeface="Fira Code" panose="020B0809050000020004" pitchFamily="49" charset="0"/>
-              </a:rPr>
-              <a:t>到 </a:t>
-            </a:r>
-            <a:r>
-              <a:rPr lang="en-GB" altLang="zh-CN" sz="2400" b="1" dirty="0">
-                <a:solidFill>
-                  <a:srgbClr val="393E46"/>
-                </a:solidFill>
-                <a:latin typeface="Fira Code" panose="020B0809050000020004" pitchFamily="49" charset="0"/>
-                <a:ea typeface="Fira Code" panose="020B0809050000020004" pitchFamily="49" charset="0"/>
-              </a:rPr>
-              <a:t>z     </a:t>
-            </a:r>
+              <a:t>   匹配所有字符</a:t>
+            </a:r>
+            <a:endParaRPr lang="en-US" altLang="zh-CN" sz="2400" b="1" dirty="0">
+              <a:solidFill>
+                <a:srgbClr val="393E46"/>
+              </a:solidFill>
+              <a:latin typeface="Fira Code" panose="020B0809050000020004" pitchFamily="49" charset="0"/>
+              <a:ea typeface="Fira Code" panose="020B0809050000020004" pitchFamily="49" charset="0"/>
+            </a:endParaRPr>
           </a:p>
           <a:p>
             <a:endParaRPr lang="en-GB" altLang="zh-CN" sz="2400" b="1" dirty="0">
@@ -4876,16 +4506,6 @@
           </a:p>
           <a:p>
             <a:r>
-              <a:rPr lang="en-GB" altLang="zh-CN" sz="2400" b="1" dirty="0" err="1">
-                <a:solidFill>
-                  <a:srgbClr val="393E46"/>
-                </a:solidFill>
-                <a:latin typeface="Fira Code" panose="020B0809050000020004" pitchFamily="49" charset="0"/>
-                <a:ea typeface="Fira Code" panose="020B0809050000020004" pitchFamily="49" charset="0"/>
-              </a:rPr>
-              <a:t>a|b</a:t>
-            </a:r>
-            <a:r>
               <a:rPr lang="en-GB" altLang="zh-CN" sz="2400" b="1" dirty="0">
                 <a:solidFill>
                   <a:srgbClr val="393E46"/>
@@ -4893,7 +4513,7 @@
                 <a:latin typeface="Fira Code" panose="020B0809050000020004" pitchFamily="49" charset="0"/>
                 <a:ea typeface="Fira Code" panose="020B0809050000020004" pitchFamily="49" charset="0"/>
               </a:rPr>
-              <a:t>      </a:t>
+              <a:t>\s  </a:t>
             </a:r>
             <a:r>
               <a:rPr lang="zh-CN" altLang="en-US" sz="2400" b="1" dirty="0">
@@ -4903,38 +4523,10 @@
                 <a:latin typeface="Fira Code" panose="020B0809050000020004" pitchFamily="49" charset="0"/>
                 <a:ea typeface="Fira Code" panose="020B0809050000020004" pitchFamily="49" charset="0"/>
               </a:rPr>
-              <a:t>匹配 </a:t>
-            </a:r>
-            <a:r>
-              <a:rPr lang="en-GB" altLang="zh-CN" sz="2400" b="1" dirty="0">
-                <a:solidFill>
-                  <a:srgbClr val="393E46"/>
-                </a:solidFill>
-                <a:latin typeface="Fira Code" panose="020B0809050000020004" pitchFamily="49" charset="0"/>
-                <a:ea typeface="Fira Code" panose="020B0809050000020004" pitchFamily="49" charset="0"/>
-              </a:rPr>
-              <a:t>a </a:t>
-            </a:r>
-            <a:r>
-              <a:rPr lang="zh-CN" altLang="en-US" sz="2400" b="1" dirty="0">
-                <a:solidFill>
-                  <a:srgbClr val="393E46"/>
-                </a:solidFill>
-                <a:latin typeface="Fira Code" panose="020B0809050000020004" pitchFamily="49" charset="0"/>
-                <a:ea typeface="Fira Code" panose="020B0809050000020004" pitchFamily="49" charset="0"/>
-              </a:rPr>
-              <a:t>或 </a:t>
-            </a:r>
-            <a:r>
-              <a:rPr lang="en-GB" altLang="zh-CN" sz="2400" b="1" dirty="0">
-                <a:solidFill>
-                  <a:srgbClr val="393E46"/>
-                </a:solidFill>
-                <a:latin typeface="Fira Code" panose="020B0809050000020004" pitchFamily="49" charset="0"/>
-                <a:ea typeface="Fira Code" panose="020B0809050000020004" pitchFamily="49" charset="0"/>
-              </a:rPr>
-              <a:t>b     </a:t>
-            </a:r>
+              <a:t>用于匹配空格</a:t>
+            </a:r>
+          </a:p>
+          <a:p>
             <a:endParaRPr lang="zh-CN" altLang="en-US" sz="2400" b="1" dirty="0">
               <a:solidFill>
                 <a:srgbClr val="393E46"/>
@@ -4943,12 +4535,324 @@
               <a:ea typeface="Fira Code" panose="020B0809050000020004" pitchFamily="49" charset="0"/>
             </a:endParaRPr>
           </a:p>
+          <a:p>
+            <a:r>
+              <a:rPr lang="en-US" altLang="zh-CN" sz="2400" b="1" dirty="0">
+                <a:solidFill>
+                  <a:srgbClr val="393E46"/>
+                </a:solidFill>
+                <a:latin typeface="Fira Code" panose="020B0809050000020004" pitchFamily="49" charset="0"/>
+                <a:ea typeface="Fira Code" panose="020B0809050000020004" pitchFamily="49" charset="0"/>
+              </a:rPr>
+              <a:t>\</a:t>
+            </a:r>
+            <a:r>
+              <a:rPr lang="en-GB" altLang="zh-CN" sz="2400" b="1" dirty="0">
+                <a:solidFill>
+                  <a:srgbClr val="393E46"/>
+                </a:solidFill>
+                <a:latin typeface="Fira Code" panose="020B0809050000020004" pitchFamily="49" charset="0"/>
+                <a:ea typeface="Fira Code" panose="020B0809050000020004" pitchFamily="49" charset="0"/>
+              </a:rPr>
+              <a:t>S  </a:t>
+            </a:r>
+            <a:r>
+              <a:rPr lang="zh-CN" altLang="en-US" sz="2400" b="1" dirty="0">
+                <a:solidFill>
+                  <a:srgbClr val="393E46"/>
+                </a:solidFill>
+                <a:latin typeface="Fira Code" panose="020B0809050000020004" pitchFamily="49" charset="0"/>
+                <a:ea typeface="Fira Code" panose="020B0809050000020004" pitchFamily="49" charset="0"/>
+              </a:rPr>
+              <a:t>用于匹配非空格</a:t>
+            </a:r>
+          </a:p>
+          <a:p>
+            <a:endParaRPr lang="zh-CN" altLang="en-US" sz="2400" b="1" dirty="0">
+              <a:solidFill>
+                <a:srgbClr val="393E46"/>
+              </a:solidFill>
+              <a:latin typeface="Fira Code" panose="020B0809050000020004" pitchFamily="49" charset="0"/>
+              <a:ea typeface="Fira Code" panose="020B0809050000020004" pitchFamily="49" charset="0"/>
+            </a:endParaRPr>
+          </a:p>
+          <a:p>
+            <a:r>
+              <a:rPr lang="en-US" altLang="zh-CN" sz="2400" b="1" dirty="0">
+                <a:solidFill>
+                  <a:srgbClr val="393E46"/>
+                </a:solidFill>
+                <a:latin typeface="Fira Code" panose="020B0809050000020004" pitchFamily="49" charset="0"/>
+                <a:ea typeface="Fira Code" panose="020B0809050000020004" pitchFamily="49" charset="0"/>
+              </a:rPr>
+              <a:t>\</a:t>
+            </a:r>
+            <a:r>
+              <a:rPr lang="en-GB" altLang="zh-CN" sz="2400" b="1" dirty="0">
+                <a:solidFill>
+                  <a:srgbClr val="393E46"/>
+                </a:solidFill>
+                <a:latin typeface="Fira Code" panose="020B0809050000020004" pitchFamily="49" charset="0"/>
+                <a:ea typeface="Fira Code" panose="020B0809050000020004" pitchFamily="49" charset="0"/>
+              </a:rPr>
+              <a:t>d  </a:t>
+            </a:r>
+            <a:r>
+              <a:rPr lang="zh-CN" altLang="en-US" sz="2400" b="1" dirty="0">
+                <a:solidFill>
+                  <a:srgbClr val="393E46"/>
+                </a:solidFill>
+                <a:latin typeface="Fira Code" panose="020B0809050000020004" pitchFamily="49" charset="0"/>
+                <a:ea typeface="Fira Code" panose="020B0809050000020004" pitchFamily="49" charset="0"/>
+              </a:rPr>
+              <a:t>用于匹配阿拉伯数字</a:t>
+            </a:r>
+          </a:p>
+          <a:p>
+            <a:endParaRPr lang="zh-CN" altLang="en-US" sz="2400" b="1" dirty="0">
+              <a:solidFill>
+                <a:srgbClr val="393E46"/>
+              </a:solidFill>
+              <a:latin typeface="Fira Code" panose="020B0809050000020004" pitchFamily="49" charset="0"/>
+              <a:ea typeface="Fira Code" panose="020B0809050000020004" pitchFamily="49" charset="0"/>
+            </a:endParaRPr>
+          </a:p>
+          <a:p>
+            <a:r>
+              <a:rPr lang="en-US" altLang="zh-CN" sz="2400" b="1" dirty="0">
+                <a:solidFill>
+                  <a:srgbClr val="393E46"/>
+                </a:solidFill>
+                <a:latin typeface="Fira Code" panose="020B0809050000020004" pitchFamily="49" charset="0"/>
+                <a:ea typeface="Fira Code" panose="020B0809050000020004" pitchFamily="49" charset="0"/>
+              </a:rPr>
+              <a:t>\</a:t>
+            </a:r>
+            <a:r>
+              <a:rPr lang="en-GB" altLang="zh-CN" sz="2400" b="1" dirty="0">
+                <a:solidFill>
+                  <a:srgbClr val="393E46"/>
+                </a:solidFill>
+                <a:latin typeface="Fira Code" panose="020B0809050000020004" pitchFamily="49" charset="0"/>
+                <a:ea typeface="Fira Code" panose="020B0809050000020004" pitchFamily="49" charset="0"/>
+              </a:rPr>
+              <a:t>D  </a:t>
+            </a:r>
+            <a:r>
+              <a:rPr lang="zh-CN" altLang="en-US" sz="2400" b="1" dirty="0">
+                <a:solidFill>
+                  <a:srgbClr val="393E46"/>
+                </a:solidFill>
+                <a:latin typeface="Fira Code" panose="020B0809050000020004" pitchFamily="49" charset="0"/>
+                <a:ea typeface="Fira Code" panose="020B0809050000020004" pitchFamily="49" charset="0"/>
+              </a:rPr>
+              <a:t>用于匹配非阿拉伯数字</a:t>
+            </a:r>
+          </a:p>
+          <a:p>
+            <a:endParaRPr lang="zh-CN" altLang="en-US" sz="2400" b="1" dirty="0">
+              <a:solidFill>
+                <a:srgbClr val="393E46"/>
+              </a:solidFill>
+              <a:latin typeface="Fira Code" panose="020B0809050000020004" pitchFamily="49" charset="0"/>
+              <a:ea typeface="Fira Code" panose="020B0809050000020004" pitchFamily="49" charset="0"/>
+            </a:endParaRPr>
+          </a:p>
+        </p:txBody>
+      </p:sp>
+      <p:sp>
+        <p:nvSpPr>
+          <p:cNvPr id="7" name="文本框 6">
+            <a:extLst>
+              <a:ext uri="{FF2B5EF4-FFF2-40B4-BE49-F238E27FC236}">
+                <a16:creationId xmlns:a16="http://schemas.microsoft.com/office/drawing/2014/main" id="{6D3BD895-0353-41D6-83BF-D2731B013F17}"/>
+              </a:ext>
+            </a:extLst>
+          </p:cNvPr>
+          <p:cNvSpPr txBox="1"/>
+          <p:nvPr/>
+        </p:nvSpPr>
+        <p:spPr>
+          <a:xfrm>
+            <a:off x="6096000" y="2628900"/>
+            <a:ext cx="5600700" cy="3046988"/>
+          </a:xfrm>
+          <a:prstGeom prst="rect">
+            <a:avLst/>
+          </a:prstGeom>
+          <a:noFill/>
+        </p:spPr>
+        <p:txBody>
+          <a:bodyPr wrap="square" rtlCol="0">
+            <a:spAutoFit/>
+          </a:bodyPr>
+          <a:lstStyle/>
+          <a:p>
+            <a:endParaRPr lang="zh-CN" altLang="en-US" sz="2400" b="1" dirty="0">
+              <a:solidFill>
+                <a:srgbClr val="393E46"/>
+              </a:solidFill>
+              <a:latin typeface="Fira Code" panose="020B0809050000020004" pitchFamily="49" charset="0"/>
+              <a:ea typeface="Fira Code" panose="020B0809050000020004" pitchFamily="49" charset="0"/>
+            </a:endParaRPr>
+          </a:p>
+          <a:p>
+            <a:r>
+              <a:rPr lang="en-US" altLang="zh-CN" sz="2400" b="1" dirty="0">
+                <a:solidFill>
+                  <a:srgbClr val="393E46"/>
+                </a:solidFill>
+                <a:latin typeface="Fira Code" panose="020B0809050000020004" pitchFamily="49" charset="0"/>
+                <a:ea typeface="Fira Code" panose="020B0809050000020004" pitchFamily="49" charset="0"/>
+              </a:rPr>
+              <a:t>\</a:t>
+            </a:r>
+            <a:r>
+              <a:rPr lang="en-GB" altLang="zh-CN" sz="2400" b="1" dirty="0">
+                <a:solidFill>
+                  <a:srgbClr val="393E46"/>
+                </a:solidFill>
+                <a:latin typeface="Fira Code" panose="020B0809050000020004" pitchFamily="49" charset="0"/>
+                <a:ea typeface="Fira Code" panose="020B0809050000020004" pitchFamily="49" charset="0"/>
+              </a:rPr>
+              <a:t>w  </a:t>
+            </a:r>
+            <a:r>
+              <a:rPr lang="zh-CN" altLang="en-US" sz="2400" b="1" dirty="0">
+                <a:solidFill>
+                  <a:srgbClr val="393E46"/>
+                </a:solidFill>
+                <a:latin typeface="Fira Code" panose="020B0809050000020004" pitchFamily="49" charset="0"/>
+                <a:ea typeface="Fira Code" panose="020B0809050000020004" pitchFamily="49" charset="0"/>
+              </a:rPr>
+              <a:t>用于匹配字母、数字或下划线</a:t>
+            </a:r>
+          </a:p>
+          <a:p>
+            <a:endParaRPr lang="zh-CN" altLang="en-US" sz="2400" b="1" dirty="0">
+              <a:solidFill>
+                <a:srgbClr val="393E46"/>
+              </a:solidFill>
+              <a:latin typeface="Fira Code" panose="020B0809050000020004" pitchFamily="49" charset="0"/>
+              <a:ea typeface="Fira Code" panose="020B0809050000020004" pitchFamily="49" charset="0"/>
+            </a:endParaRPr>
+          </a:p>
+          <a:p>
+            <a:r>
+              <a:rPr lang="en-US" altLang="zh-CN" sz="2400" b="1" dirty="0">
+                <a:solidFill>
+                  <a:srgbClr val="393E46"/>
+                </a:solidFill>
+                <a:latin typeface="Fira Code" panose="020B0809050000020004" pitchFamily="49" charset="0"/>
+                <a:ea typeface="Fira Code" panose="020B0809050000020004" pitchFamily="49" charset="0"/>
+              </a:rPr>
+              <a:t>\</a:t>
+            </a:r>
+            <a:r>
+              <a:rPr lang="en-GB" altLang="zh-CN" sz="2400" b="1" dirty="0">
+                <a:solidFill>
+                  <a:srgbClr val="393E46"/>
+                </a:solidFill>
+                <a:latin typeface="Fira Code" panose="020B0809050000020004" pitchFamily="49" charset="0"/>
+                <a:ea typeface="Fira Code" panose="020B0809050000020004" pitchFamily="49" charset="0"/>
+              </a:rPr>
+              <a:t>W  </a:t>
+            </a:r>
+            <a:r>
+              <a:rPr lang="zh-CN" altLang="en-US" sz="2400" b="1" dirty="0">
+                <a:solidFill>
+                  <a:srgbClr val="393E46"/>
+                </a:solidFill>
+                <a:latin typeface="Fira Code" panose="020B0809050000020004" pitchFamily="49" charset="0"/>
+                <a:ea typeface="Fira Code" panose="020B0809050000020004" pitchFamily="49" charset="0"/>
+              </a:rPr>
+              <a:t>用于匹配非字母、数字或下划线</a:t>
+            </a:r>
+          </a:p>
+          <a:p>
+            <a:endParaRPr lang="zh-CN" altLang="en-US" sz="2400" b="1" dirty="0">
+              <a:solidFill>
+                <a:srgbClr val="393E46"/>
+              </a:solidFill>
+              <a:latin typeface="Fira Code" panose="020B0809050000020004" pitchFamily="49" charset="0"/>
+              <a:ea typeface="Fira Code" panose="020B0809050000020004" pitchFamily="49" charset="0"/>
+            </a:endParaRPr>
+          </a:p>
+          <a:p>
+            <a:r>
+              <a:rPr lang="en-US" altLang="zh-CN" sz="2400" b="1" dirty="0">
+                <a:solidFill>
+                  <a:srgbClr val="393E46"/>
+                </a:solidFill>
+                <a:latin typeface="Fira Code" panose="020B0809050000020004" pitchFamily="49" charset="0"/>
+                <a:ea typeface="Fira Code" panose="020B0809050000020004" pitchFamily="49" charset="0"/>
+              </a:rPr>
+              <a:t>\</a:t>
+            </a:r>
+            <a:r>
+              <a:rPr lang="en-GB" altLang="zh-CN" sz="2400" b="1" dirty="0">
+                <a:solidFill>
+                  <a:srgbClr val="393E46"/>
+                </a:solidFill>
+                <a:latin typeface="Fira Code" panose="020B0809050000020004" pitchFamily="49" charset="0"/>
+                <a:ea typeface="Fira Code" panose="020B0809050000020004" pitchFamily="49" charset="0"/>
+              </a:rPr>
+              <a:t>v  </a:t>
+            </a:r>
+            <a:r>
+              <a:rPr lang="zh-CN" altLang="en-US" sz="2400" b="1" dirty="0">
+                <a:solidFill>
+                  <a:srgbClr val="393E46"/>
+                </a:solidFill>
+                <a:latin typeface="Fira Code" panose="020B0809050000020004" pitchFamily="49" charset="0"/>
+                <a:ea typeface="Fira Code" panose="020B0809050000020004" pitchFamily="49" charset="0"/>
+              </a:rPr>
+              <a:t>用于匹配纵向空白字符</a:t>
+            </a:r>
+          </a:p>
+          <a:p>
+            <a:endParaRPr lang="zh-CN" altLang="en-US" sz="2400" b="1" dirty="0">
+              <a:solidFill>
+                <a:srgbClr val="393E46"/>
+              </a:solidFill>
+              <a:latin typeface="Fira Code" panose="020B0809050000020004" pitchFamily="49" charset="0"/>
+              <a:ea typeface="Fira Code" panose="020B0809050000020004" pitchFamily="49" charset="0"/>
+            </a:endParaRPr>
+          </a:p>
+          <a:p>
+            <a:r>
+              <a:rPr lang="en-US" altLang="zh-CN" sz="2400" b="1" dirty="0">
+                <a:solidFill>
+                  <a:srgbClr val="393E46"/>
+                </a:solidFill>
+                <a:latin typeface="Fira Code" panose="020B0809050000020004" pitchFamily="49" charset="0"/>
+                <a:ea typeface="Fira Code" panose="020B0809050000020004" pitchFamily="49" charset="0"/>
+              </a:rPr>
+              <a:t>\   </a:t>
+            </a:r>
+            <a:r>
+              <a:rPr lang="zh-CN" altLang="en-US" sz="2400" b="1" dirty="0">
+                <a:solidFill>
+                  <a:srgbClr val="393E46"/>
+                </a:solidFill>
+                <a:latin typeface="Fira Code" panose="020B0809050000020004" pitchFamily="49" charset="0"/>
+                <a:ea typeface="Fira Code" panose="020B0809050000020004" pitchFamily="49" charset="0"/>
+              </a:rPr>
+              <a:t>用于转义</a:t>
+            </a:r>
+            <a:endParaRPr lang="zh-CN" altLang="en-US" sz="2400" b="1" dirty="0">
+              <a:solidFill>
+                <a:srgbClr val="393E46"/>
+              </a:solidFill>
+              <a:latin typeface="Fira Code" panose="020B0809050000020004" pitchFamily="49" charset="0"/>
+            </a:endParaRPr>
+          </a:p>
         </p:txBody>
       </p:sp>
     </p:spTree>
     <p:extLst>
       <p:ext uri="{BB962C8B-B14F-4D97-AF65-F5344CB8AC3E}">
-        <p14:creationId xmlns:p14="http://schemas.microsoft.com/office/powerpoint/2010/main" val="3308925514"/>
+        <p14:creationId xmlns:p14="http://schemas.microsoft.com/office/powerpoint/2010/main" val="3169515868"/>
       </p:ext>
     </p:extLst>
   </p:cSld>
@@ -5011,7 +4915,7 @@
                 <a:latin typeface="Fira Code" panose="020B0809050000020004" pitchFamily="49" charset="0"/>
                 <a:ea typeface="Fira Code" panose="020B0809050000020004" pitchFamily="49" charset="0"/>
               </a:rPr>
-              <a:t>数量词修饰</a:t>
+              <a:t>字符组合</a:t>
             </a:r>
             <a:endParaRPr lang="zh-CN" altLang="en-US" sz="4400" b="1" dirty="0">
               <a:solidFill>
@@ -5036,8 +4940,8 @@
         </p:nvSpPr>
         <p:spPr>
           <a:xfrm>
-            <a:off x="1133476" y="3170666"/>
-            <a:ext cx="5191124" cy="1938992"/>
+            <a:off x="1133476" y="2961116"/>
+            <a:ext cx="7896224" cy="2677656"/>
           </a:xfrm>
           <a:prstGeom prst="rect">
             <a:avLst/>
@@ -5051,14 +4955,34 @@
           <a:lstStyle/>
           <a:p>
             <a:r>
-              <a:rPr lang="en-US" altLang="zh-CN" sz="2400" b="1" dirty="0">
-                <a:solidFill>
-                  <a:srgbClr val="393E46"/>
-                </a:solidFill>
-                <a:latin typeface="Fira Code" panose="020B0809050000020004" pitchFamily="49" charset="0"/>
-                <a:ea typeface="Fira Code" panose="020B0809050000020004" pitchFamily="49" charset="0"/>
-              </a:rPr>
-              <a:t>*  </a:t>
+              <a:rPr lang="en-GB" altLang="zh-CN" sz="2400" b="1" dirty="0">
+                <a:solidFill>
+                  <a:srgbClr val="393E46"/>
+                </a:solidFill>
+                <a:latin typeface="Fira Code" panose="020B0809050000020004" pitchFamily="49" charset="0"/>
+                <a:ea typeface="Fira Code" panose="020B0809050000020004" pitchFamily="49" charset="0"/>
+              </a:rPr>
+              <a:t>[</a:t>
+            </a:r>
+            <a:r>
+              <a:rPr lang="en-GB" altLang="zh-CN" sz="2400" b="1" dirty="0" err="1">
+                <a:solidFill>
+                  <a:srgbClr val="393E46"/>
+                </a:solidFill>
+                <a:latin typeface="Fira Code" panose="020B0809050000020004" pitchFamily="49" charset="0"/>
+                <a:ea typeface="Fira Code" panose="020B0809050000020004" pitchFamily="49" charset="0"/>
+              </a:rPr>
+              <a:t>abc</a:t>
+            </a:r>
+            <a:r>
+              <a:rPr lang="en-GB" altLang="zh-CN" sz="2400" b="1" dirty="0">
+                <a:solidFill>
+                  <a:srgbClr val="393E46"/>
+                </a:solidFill>
+                <a:latin typeface="Fira Code" panose="020B0809050000020004" pitchFamily="49" charset="0"/>
+                <a:ea typeface="Fira Code" panose="020B0809050000020004" pitchFamily="49" charset="0"/>
+              </a:rPr>
+              <a:t>]    </a:t>
             </a:r>
             <a:r>
               <a:rPr lang="zh-CN" altLang="en-US" sz="2400" b="1" dirty="0">
@@ -5068,17 +4992,17 @@
                 <a:latin typeface="Fira Code" panose="020B0809050000020004" pitchFamily="49" charset="0"/>
                 <a:ea typeface="Fira Code" panose="020B0809050000020004" pitchFamily="49" charset="0"/>
               </a:rPr>
-              <a:t>星号表示 </a:t>
-            </a:r>
-            <a:r>
-              <a:rPr lang="en-US" altLang="zh-CN" sz="2400" b="1" dirty="0">
-                <a:solidFill>
-                  <a:srgbClr val="393E46"/>
-                </a:solidFill>
-                <a:latin typeface="Fira Code" panose="020B0809050000020004" pitchFamily="49" charset="0"/>
-                <a:ea typeface="Fira Code" panose="020B0809050000020004" pitchFamily="49" charset="0"/>
-              </a:rPr>
-              <a:t>0 </a:t>
+              <a:t>匹配 </a:t>
+            </a:r>
+            <a:r>
+              <a:rPr lang="en-GB" altLang="zh-CN" sz="2400" b="1" dirty="0">
+                <a:solidFill>
+                  <a:srgbClr val="393E46"/>
+                </a:solidFill>
+                <a:latin typeface="Fira Code" panose="020B0809050000020004" pitchFamily="49" charset="0"/>
+                <a:ea typeface="Fira Code" panose="020B0809050000020004" pitchFamily="49" charset="0"/>
+              </a:rPr>
+              <a:t>a </a:t>
             </a:r>
             <a:r>
               <a:rPr lang="zh-CN" altLang="en-US" sz="2400" b="1" dirty="0">
@@ -5088,9 +5012,209 @@
                 <a:latin typeface="Fira Code" panose="020B0809050000020004" pitchFamily="49" charset="0"/>
                 <a:ea typeface="Fira Code" panose="020B0809050000020004" pitchFamily="49" charset="0"/>
               </a:rPr>
-              <a:t>个或多个</a:t>
-            </a:r>
-            <a:endParaRPr lang="en-US" altLang="zh-CN" sz="2400" b="1" dirty="0">
+              <a:t>或 </a:t>
+            </a:r>
+            <a:r>
+              <a:rPr lang="en-GB" altLang="zh-CN" sz="2400" b="1" dirty="0">
+                <a:solidFill>
+                  <a:srgbClr val="393E46"/>
+                </a:solidFill>
+                <a:latin typeface="Fira Code" panose="020B0809050000020004" pitchFamily="49" charset="0"/>
+                <a:ea typeface="Fira Code" panose="020B0809050000020004" pitchFamily="49" charset="0"/>
+              </a:rPr>
+              <a:t>b </a:t>
+            </a:r>
+            <a:r>
+              <a:rPr lang="zh-CN" altLang="en-US" sz="2400" b="1" dirty="0">
+                <a:solidFill>
+                  <a:srgbClr val="393E46"/>
+                </a:solidFill>
+                <a:latin typeface="Fira Code" panose="020B0809050000020004" pitchFamily="49" charset="0"/>
+                <a:ea typeface="Fira Code" panose="020B0809050000020004" pitchFamily="49" charset="0"/>
+              </a:rPr>
+              <a:t>或 </a:t>
+            </a:r>
+            <a:r>
+              <a:rPr lang="en-GB" altLang="zh-CN" sz="2400" b="1" dirty="0">
+                <a:solidFill>
+                  <a:srgbClr val="393E46"/>
+                </a:solidFill>
+                <a:latin typeface="Fira Code" panose="020B0809050000020004" pitchFamily="49" charset="0"/>
+                <a:ea typeface="Fira Code" panose="020B0809050000020004" pitchFamily="49" charset="0"/>
+              </a:rPr>
+              <a:t>c</a:t>
+            </a:r>
+          </a:p>
+          <a:p>
+            <a:r>
+              <a:rPr lang="en-GB" altLang="zh-CN" sz="2400" b="1" dirty="0">
+                <a:solidFill>
+                  <a:srgbClr val="393E46"/>
+                </a:solidFill>
+                <a:latin typeface="Fira Code" panose="020B0809050000020004" pitchFamily="49" charset="0"/>
+                <a:ea typeface="Fira Code" panose="020B0809050000020004" pitchFamily="49" charset="0"/>
+              </a:rPr>
+              <a:t>  </a:t>
+            </a:r>
+          </a:p>
+          <a:p>
+            <a:r>
+              <a:rPr lang="en-GB" altLang="zh-CN" sz="2400" b="1" dirty="0">
+                <a:solidFill>
+                  <a:srgbClr val="393E46"/>
+                </a:solidFill>
+                <a:latin typeface="Fira Code" panose="020B0809050000020004" pitchFamily="49" charset="0"/>
+                <a:ea typeface="Fira Code" panose="020B0809050000020004" pitchFamily="49" charset="0"/>
+              </a:rPr>
+              <a:t>[^</a:t>
+            </a:r>
+            <a:r>
+              <a:rPr lang="en-GB" altLang="zh-CN" sz="2400" b="1" dirty="0" err="1">
+                <a:solidFill>
+                  <a:srgbClr val="393E46"/>
+                </a:solidFill>
+                <a:latin typeface="Fira Code" panose="020B0809050000020004" pitchFamily="49" charset="0"/>
+                <a:ea typeface="Fira Code" panose="020B0809050000020004" pitchFamily="49" charset="0"/>
+              </a:rPr>
+              <a:t>abc</a:t>
+            </a:r>
+            <a:r>
+              <a:rPr lang="en-GB" altLang="zh-CN" sz="2400" b="1" dirty="0">
+                <a:solidFill>
+                  <a:srgbClr val="393E46"/>
+                </a:solidFill>
+                <a:latin typeface="Fira Code" panose="020B0809050000020004" pitchFamily="49" charset="0"/>
+                <a:ea typeface="Fira Code" panose="020B0809050000020004" pitchFamily="49" charset="0"/>
+              </a:rPr>
+              <a:t>]   </a:t>
+            </a:r>
+            <a:r>
+              <a:rPr lang="zh-CN" altLang="en-US" sz="2400" b="1" dirty="0">
+                <a:solidFill>
+                  <a:srgbClr val="393E46"/>
+                </a:solidFill>
+                <a:latin typeface="Fira Code" panose="020B0809050000020004" pitchFamily="49" charset="0"/>
+                <a:ea typeface="Fira Code" panose="020B0809050000020004" pitchFamily="49" charset="0"/>
+              </a:rPr>
+              <a:t>匹配非 </a:t>
+            </a:r>
+            <a:r>
+              <a:rPr lang="en-GB" altLang="zh-CN" sz="2400" b="1" dirty="0">
+                <a:solidFill>
+                  <a:srgbClr val="393E46"/>
+                </a:solidFill>
+                <a:latin typeface="Fira Code" panose="020B0809050000020004" pitchFamily="49" charset="0"/>
+                <a:ea typeface="Fira Code" panose="020B0809050000020004" pitchFamily="49" charset="0"/>
+              </a:rPr>
+              <a:t>a </a:t>
+            </a:r>
+            <a:r>
+              <a:rPr lang="zh-CN" altLang="en-US" sz="2400" b="1" dirty="0">
+                <a:solidFill>
+                  <a:srgbClr val="393E46"/>
+                </a:solidFill>
+                <a:latin typeface="Fira Code" panose="020B0809050000020004" pitchFamily="49" charset="0"/>
+                <a:ea typeface="Fira Code" panose="020B0809050000020004" pitchFamily="49" charset="0"/>
+              </a:rPr>
+              <a:t>或 </a:t>
+            </a:r>
+            <a:r>
+              <a:rPr lang="en-GB" altLang="zh-CN" sz="2400" b="1" dirty="0">
+                <a:solidFill>
+                  <a:srgbClr val="393E46"/>
+                </a:solidFill>
+                <a:latin typeface="Fira Code" panose="020B0809050000020004" pitchFamily="49" charset="0"/>
+                <a:ea typeface="Fira Code" panose="020B0809050000020004" pitchFamily="49" charset="0"/>
+              </a:rPr>
+              <a:t>b </a:t>
+            </a:r>
+            <a:r>
+              <a:rPr lang="zh-CN" altLang="en-US" sz="2400" b="1" dirty="0">
+                <a:solidFill>
+                  <a:srgbClr val="393E46"/>
+                </a:solidFill>
+                <a:latin typeface="Fira Code" panose="020B0809050000020004" pitchFamily="49" charset="0"/>
+                <a:ea typeface="Fira Code" panose="020B0809050000020004" pitchFamily="49" charset="0"/>
+              </a:rPr>
+              <a:t>或 </a:t>
+            </a:r>
+            <a:r>
+              <a:rPr lang="en-GB" altLang="zh-CN" sz="2400" b="1" dirty="0">
+                <a:solidFill>
+                  <a:srgbClr val="393E46"/>
+                </a:solidFill>
+                <a:latin typeface="Fira Code" panose="020B0809050000020004" pitchFamily="49" charset="0"/>
+                <a:ea typeface="Fira Code" panose="020B0809050000020004" pitchFamily="49" charset="0"/>
+              </a:rPr>
+              <a:t>c</a:t>
+            </a:r>
+          </a:p>
+          <a:p>
+            <a:r>
+              <a:rPr lang="en-GB" altLang="zh-CN" sz="2400" b="1" dirty="0">
+                <a:solidFill>
+                  <a:srgbClr val="393E46"/>
+                </a:solidFill>
+                <a:latin typeface="Fira Code" panose="020B0809050000020004" pitchFamily="49" charset="0"/>
+                <a:ea typeface="Fira Code" panose="020B0809050000020004" pitchFamily="49" charset="0"/>
+              </a:rPr>
+              <a:t> </a:t>
+            </a:r>
+          </a:p>
+          <a:p>
+            <a:r>
+              <a:rPr lang="en-GB" altLang="zh-CN" sz="2400" b="1" dirty="0">
+                <a:solidFill>
+                  <a:srgbClr val="393E46"/>
+                </a:solidFill>
+                <a:latin typeface="Fira Code" panose="020B0809050000020004" pitchFamily="49" charset="0"/>
+                <a:ea typeface="Fira Code" panose="020B0809050000020004" pitchFamily="49" charset="0"/>
+              </a:rPr>
+              <a:t>[a-z]    </a:t>
+            </a:r>
+            <a:r>
+              <a:rPr lang="zh-CN" altLang="en-US" sz="2400" b="1" dirty="0">
+                <a:solidFill>
+                  <a:srgbClr val="393E46"/>
+                </a:solidFill>
+                <a:latin typeface="Fira Code" panose="020B0809050000020004" pitchFamily="49" charset="0"/>
+                <a:ea typeface="Fira Code" panose="020B0809050000020004" pitchFamily="49" charset="0"/>
+              </a:rPr>
+              <a:t>匹配 </a:t>
+            </a:r>
+            <a:r>
+              <a:rPr lang="en-GB" altLang="zh-CN" sz="2400" b="1" dirty="0">
+                <a:solidFill>
+                  <a:srgbClr val="393E46"/>
+                </a:solidFill>
+                <a:latin typeface="Fira Code" panose="020B0809050000020004" pitchFamily="49" charset="0"/>
+                <a:ea typeface="Fira Code" panose="020B0809050000020004" pitchFamily="49" charset="0"/>
+              </a:rPr>
+              <a:t>a </a:t>
+            </a:r>
+            <a:r>
+              <a:rPr lang="zh-CN" altLang="en-US" sz="2400" b="1" dirty="0">
+                <a:solidFill>
+                  <a:srgbClr val="393E46"/>
+                </a:solidFill>
+                <a:latin typeface="Fira Code" panose="020B0809050000020004" pitchFamily="49" charset="0"/>
+                <a:ea typeface="Fira Code" panose="020B0809050000020004" pitchFamily="49" charset="0"/>
+              </a:rPr>
+              <a:t>到 </a:t>
+            </a:r>
+            <a:r>
+              <a:rPr lang="en-GB" altLang="zh-CN" sz="2400" b="1" dirty="0">
+                <a:solidFill>
+                  <a:srgbClr val="393E46"/>
+                </a:solidFill>
+                <a:latin typeface="Fira Code" panose="020B0809050000020004" pitchFamily="49" charset="0"/>
+                <a:ea typeface="Fira Code" panose="020B0809050000020004" pitchFamily="49" charset="0"/>
+              </a:rPr>
+              <a:t>z     </a:t>
+            </a:r>
+          </a:p>
+          <a:p>
+            <a:endParaRPr lang="en-GB" altLang="zh-CN" sz="2400" b="1" dirty="0">
               <a:solidFill>
                 <a:srgbClr val="393E46"/>
               </a:solidFill>
@@ -5099,6 +5223,66 @@
             </a:endParaRPr>
           </a:p>
           <a:p>
+            <a:r>
+              <a:rPr lang="en-GB" altLang="zh-CN" sz="2400" b="1" dirty="0" err="1">
+                <a:solidFill>
+                  <a:srgbClr val="393E46"/>
+                </a:solidFill>
+                <a:latin typeface="Fira Code" panose="020B0809050000020004" pitchFamily="49" charset="0"/>
+                <a:ea typeface="Fira Code" panose="020B0809050000020004" pitchFamily="49" charset="0"/>
+              </a:rPr>
+              <a:t>a|b</a:t>
+            </a:r>
+            <a:r>
+              <a:rPr lang="en-GB" altLang="zh-CN" sz="2400" b="1" dirty="0">
+                <a:solidFill>
+                  <a:srgbClr val="393E46"/>
+                </a:solidFill>
+                <a:latin typeface="Fira Code" panose="020B0809050000020004" pitchFamily="49" charset="0"/>
+                <a:ea typeface="Fira Code" panose="020B0809050000020004" pitchFamily="49" charset="0"/>
+              </a:rPr>
+              <a:t>      </a:t>
+            </a:r>
+            <a:r>
+              <a:rPr lang="zh-CN" altLang="en-US" sz="2400" b="1" dirty="0">
+                <a:solidFill>
+                  <a:srgbClr val="393E46"/>
+                </a:solidFill>
+                <a:latin typeface="Fira Code" panose="020B0809050000020004" pitchFamily="49" charset="0"/>
+                <a:ea typeface="Fira Code" panose="020B0809050000020004" pitchFamily="49" charset="0"/>
+              </a:rPr>
+              <a:t>匹配 </a:t>
+            </a:r>
+            <a:r>
+              <a:rPr lang="en-GB" altLang="zh-CN" sz="2400" b="1" dirty="0">
+                <a:solidFill>
+                  <a:srgbClr val="393E46"/>
+                </a:solidFill>
+                <a:latin typeface="Fira Code" panose="020B0809050000020004" pitchFamily="49" charset="0"/>
+                <a:ea typeface="Fira Code" panose="020B0809050000020004" pitchFamily="49" charset="0"/>
+              </a:rPr>
+              <a:t>a </a:t>
+            </a:r>
+            <a:r>
+              <a:rPr lang="zh-CN" altLang="en-US" sz="2400" b="1" dirty="0">
+                <a:solidFill>
+                  <a:srgbClr val="393E46"/>
+                </a:solidFill>
+                <a:latin typeface="Fira Code" panose="020B0809050000020004" pitchFamily="49" charset="0"/>
+                <a:ea typeface="Fira Code" panose="020B0809050000020004" pitchFamily="49" charset="0"/>
+              </a:rPr>
+              <a:t>或 </a:t>
+            </a:r>
+            <a:r>
+              <a:rPr lang="en-GB" altLang="zh-CN" sz="2400" b="1" dirty="0">
+                <a:solidFill>
+                  <a:srgbClr val="393E46"/>
+                </a:solidFill>
+                <a:latin typeface="Fira Code" panose="020B0809050000020004" pitchFamily="49" charset="0"/>
+                <a:ea typeface="Fira Code" panose="020B0809050000020004" pitchFamily="49" charset="0"/>
+              </a:rPr>
+              <a:t>b     </a:t>
+            </a:r>
             <a:endParaRPr lang="zh-CN" altLang="en-US" sz="2400" b="1" dirty="0">
               <a:solidFill>
                 <a:srgbClr val="393E46"/>
@@ -5107,296 +5291,12 @@
               <a:ea typeface="Fira Code" panose="020B0809050000020004" pitchFamily="49" charset="0"/>
             </a:endParaRPr>
           </a:p>
-          <a:p>
-            <a:r>
-              <a:rPr lang="en-US" altLang="zh-CN" sz="2400" b="1" dirty="0">
-                <a:solidFill>
-                  <a:srgbClr val="393E46"/>
-                </a:solidFill>
-                <a:latin typeface="Fira Code" panose="020B0809050000020004" pitchFamily="49" charset="0"/>
-                <a:ea typeface="Fira Code" panose="020B0809050000020004" pitchFamily="49" charset="0"/>
-              </a:rPr>
-              <a:t>?</a:t>
-            </a:r>
-            <a:r>
-              <a:rPr lang="zh-CN" altLang="en-US" sz="2400" b="1" dirty="0">
-                <a:solidFill>
-                  <a:srgbClr val="393E46"/>
-                </a:solidFill>
-                <a:latin typeface="Fira Code" panose="020B0809050000020004" pitchFamily="49" charset="0"/>
-                <a:ea typeface="Fira Code" panose="020B0809050000020004" pitchFamily="49" charset="0"/>
-              </a:rPr>
-              <a:t>  问号表示 </a:t>
-            </a:r>
-            <a:r>
-              <a:rPr lang="en-US" altLang="zh-CN" sz="2400" b="1" dirty="0">
-                <a:solidFill>
-                  <a:srgbClr val="393E46"/>
-                </a:solidFill>
-                <a:latin typeface="Fira Code" panose="020B0809050000020004" pitchFamily="49" charset="0"/>
-                <a:ea typeface="Fira Code" panose="020B0809050000020004" pitchFamily="49" charset="0"/>
-              </a:rPr>
-              <a:t>0 </a:t>
-            </a:r>
-            <a:r>
-              <a:rPr lang="zh-CN" altLang="en-US" sz="2400" b="1" dirty="0">
-                <a:solidFill>
-                  <a:srgbClr val="393E46"/>
-                </a:solidFill>
-                <a:latin typeface="Fira Code" panose="020B0809050000020004" pitchFamily="49" charset="0"/>
-                <a:ea typeface="Fira Code" panose="020B0809050000020004" pitchFamily="49" charset="0"/>
-              </a:rPr>
-              <a:t>个或 </a:t>
-            </a:r>
-            <a:r>
-              <a:rPr lang="en-US" altLang="zh-CN" sz="2400" b="1" dirty="0">
-                <a:solidFill>
-                  <a:srgbClr val="393E46"/>
-                </a:solidFill>
-                <a:latin typeface="Fira Code" panose="020B0809050000020004" pitchFamily="49" charset="0"/>
-                <a:ea typeface="Fira Code" panose="020B0809050000020004" pitchFamily="49" charset="0"/>
-              </a:rPr>
-              <a:t>1 </a:t>
-            </a:r>
-            <a:r>
-              <a:rPr lang="zh-CN" altLang="en-US" sz="2400" b="1" dirty="0">
-                <a:solidFill>
-                  <a:srgbClr val="393E46"/>
-                </a:solidFill>
-                <a:latin typeface="Fira Code" panose="020B0809050000020004" pitchFamily="49" charset="0"/>
-                <a:ea typeface="Fira Code" panose="020B0809050000020004" pitchFamily="49" charset="0"/>
-              </a:rPr>
-              <a:t>个</a:t>
-            </a:r>
-          </a:p>
-          <a:p>
-            <a:endParaRPr lang="en-US" altLang="zh-CN" sz="2400" b="1" dirty="0">
-              <a:solidFill>
-                <a:srgbClr val="393E46"/>
-              </a:solidFill>
-              <a:latin typeface="Fira Code" panose="020B0809050000020004" pitchFamily="49" charset="0"/>
-              <a:ea typeface="Fira Code" panose="020B0809050000020004" pitchFamily="49" charset="0"/>
-            </a:endParaRPr>
-          </a:p>
-          <a:p>
-            <a:r>
-              <a:rPr lang="en-US" altLang="zh-CN" sz="2400" b="1" dirty="0">
-                <a:solidFill>
-                  <a:srgbClr val="393E46"/>
-                </a:solidFill>
-                <a:latin typeface="Fira Code" panose="020B0809050000020004" pitchFamily="49" charset="0"/>
-                <a:ea typeface="Fira Code" panose="020B0809050000020004" pitchFamily="49" charset="0"/>
-              </a:rPr>
-              <a:t>+</a:t>
-            </a:r>
-            <a:r>
-              <a:rPr lang="zh-CN" altLang="en-US" sz="2400" b="1" dirty="0">
-                <a:solidFill>
-                  <a:srgbClr val="393E46"/>
-                </a:solidFill>
-                <a:latin typeface="Fira Code" panose="020B0809050000020004" pitchFamily="49" charset="0"/>
-                <a:ea typeface="Fira Code" panose="020B0809050000020004" pitchFamily="49" charset="0"/>
-              </a:rPr>
-              <a:t>  加号表示 </a:t>
-            </a:r>
-            <a:r>
-              <a:rPr lang="en-US" altLang="zh-CN" sz="2400" b="1" dirty="0">
-                <a:solidFill>
-                  <a:srgbClr val="393E46"/>
-                </a:solidFill>
-                <a:latin typeface="Fira Code" panose="020B0809050000020004" pitchFamily="49" charset="0"/>
-                <a:ea typeface="Fira Code" panose="020B0809050000020004" pitchFamily="49" charset="0"/>
-              </a:rPr>
-              <a:t>1 </a:t>
-            </a:r>
-            <a:r>
-              <a:rPr lang="zh-CN" altLang="en-US" sz="2400" b="1" dirty="0">
-                <a:solidFill>
-                  <a:srgbClr val="393E46"/>
-                </a:solidFill>
-                <a:latin typeface="Fira Code" panose="020B0809050000020004" pitchFamily="49" charset="0"/>
-                <a:ea typeface="Fira Code" panose="020B0809050000020004" pitchFamily="49" charset="0"/>
-              </a:rPr>
-              <a:t>个或多个</a:t>
-            </a:r>
-            <a:endParaRPr lang="en-US" altLang="zh-CN" sz="2400" b="1" dirty="0">
-              <a:solidFill>
-                <a:srgbClr val="393E46"/>
-              </a:solidFill>
-              <a:latin typeface="Fira Code" panose="020B0809050000020004" pitchFamily="49" charset="0"/>
-              <a:ea typeface="Fira Code" panose="020B0809050000020004" pitchFamily="49" charset="0"/>
-            </a:endParaRPr>
-          </a:p>
-        </p:txBody>
-      </p:sp>
-      <p:sp>
-        <p:nvSpPr>
-          <p:cNvPr id="2" name="文本框 1">
-            <a:extLst>
-              <a:ext uri="{FF2B5EF4-FFF2-40B4-BE49-F238E27FC236}">
-                <a16:creationId xmlns:a16="http://schemas.microsoft.com/office/drawing/2014/main" id="{5FE84526-6720-4E03-993E-2D13C0011AE8}"/>
-              </a:ext>
-            </a:extLst>
-          </p:cNvPr>
-          <p:cNvSpPr txBox="1"/>
-          <p:nvPr/>
-        </p:nvSpPr>
-        <p:spPr>
-          <a:xfrm>
-            <a:off x="6238875" y="3179032"/>
-            <a:ext cx="4608954" cy="1569660"/>
-          </a:xfrm>
-          <a:prstGeom prst="rect">
-            <a:avLst/>
-          </a:prstGeom>
-        </p:spPr>
-        <p:txBody>
-          <a:bodyPr wrap="none" rtlCol="0">
-            <a:spAutoFit/>
-          </a:bodyPr>
-          <a:lstStyle/>
-          <a:p>
-            <a:r>
-              <a:rPr lang="en-US" altLang="zh-CN" sz="2400" b="1" dirty="0">
-                <a:solidFill>
-                  <a:srgbClr val="393E46"/>
-                </a:solidFill>
-                <a:latin typeface="Fira Code" panose="020B0809050000020004" pitchFamily="49" charset="0"/>
-                <a:ea typeface="Fira Code" panose="020B0809050000020004" pitchFamily="49" charset="0"/>
-              </a:rPr>
-              <a:t>{n}</a:t>
-            </a:r>
-            <a:r>
-              <a:rPr lang="zh-CN" altLang="en-US" sz="2400" b="1" dirty="0">
-                <a:solidFill>
-                  <a:srgbClr val="393E46"/>
-                </a:solidFill>
-                <a:latin typeface="Fira Code" panose="020B0809050000020004" pitchFamily="49" charset="0"/>
-                <a:ea typeface="Fira Code" panose="020B0809050000020004" pitchFamily="49" charset="0"/>
-              </a:rPr>
-              <a:t> 表示出现 </a:t>
-            </a:r>
-            <a:r>
-              <a:rPr lang="en-US" altLang="zh-CN" sz="2400" b="1" dirty="0">
-                <a:solidFill>
-                  <a:srgbClr val="393E46"/>
-                </a:solidFill>
-                <a:latin typeface="Fira Code" panose="020B0809050000020004" pitchFamily="49" charset="0"/>
-                <a:ea typeface="Fira Code" panose="020B0809050000020004" pitchFamily="49" charset="0"/>
-              </a:rPr>
-              <a:t>n </a:t>
-            </a:r>
-            <a:r>
-              <a:rPr lang="zh-CN" altLang="en-US" sz="2400" b="1" dirty="0">
-                <a:solidFill>
-                  <a:srgbClr val="393E46"/>
-                </a:solidFill>
-                <a:latin typeface="Fira Code" panose="020B0809050000020004" pitchFamily="49" charset="0"/>
-                <a:ea typeface="Fira Code" panose="020B0809050000020004" pitchFamily="49" charset="0"/>
-              </a:rPr>
-              <a:t>次</a:t>
-            </a:r>
-          </a:p>
-          <a:p>
-            <a:endParaRPr lang="en-US" altLang="zh-CN" sz="2400" b="1" dirty="0">
-              <a:solidFill>
-                <a:srgbClr val="393E46"/>
-              </a:solidFill>
-              <a:latin typeface="Fira Code" panose="020B0809050000020004" pitchFamily="49" charset="0"/>
-              <a:ea typeface="Fira Code" panose="020B0809050000020004" pitchFamily="49" charset="0"/>
-            </a:endParaRPr>
-          </a:p>
-          <a:p>
-            <a:r>
-              <a:rPr lang="en-US" altLang="zh-CN" sz="2400" b="1" dirty="0">
-                <a:solidFill>
-                  <a:srgbClr val="393E46"/>
-                </a:solidFill>
-                <a:latin typeface="Fira Code" panose="020B0809050000020004" pitchFamily="49" charset="0"/>
-                <a:ea typeface="Fira Code" panose="020B0809050000020004" pitchFamily="49" charset="0"/>
-              </a:rPr>
-              <a:t>{a,</a:t>
-            </a:r>
-            <a:r>
-              <a:rPr lang="zh-CN" altLang="en-US" sz="2400" b="1" dirty="0">
-                <a:solidFill>
-                  <a:srgbClr val="393E46"/>
-                </a:solidFill>
-                <a:latin typeface="Fira Code" panose="020B0809050000020004" pitchFamily="49" charset="0"/>
-                <a:ea typeface="Fira Code" panose="020B0809050000020004" pitchFamily="49" charset="0"/>
-              </a:rPr>
-              <a:t> </a:t>
-            </a:r>
-            <a:r>
-              <a:rPr lang="en-US" altLang="zh-CN" sz="2400" b="1" dirty="0">
-                <a:solidFill>
-                  <a:srgbClr val="393E46"/>
-                </a:solidFill>
-                <a:latin typeface="Fira Code" panose="020B0809050000020004" pitchFamily="49" charset="0"/>
-                <a:ea typeface="Fira Code" panose="020B0809050000020004" pitchFamily="49" charset="0"/>
-              </a:rPr>
-              <a:t>b}</a:t>
-            </a:r>
-            <a:r>
-              <a:rPr lang="zh-CN" altLang="en-US" sz="2400" b="1" dirty="0">
-                <a:solidFill>
-                  <a:srgbClr val="393E46"/>
-                </a:solidFill>
-                <a:latin typeface="Fira Code" panose="020B0809050000020004" pitchFamily="49" charset="0"/>
-                <a:ea typeface="Fira Code" panose="020B0809050000020004" pitchFamily="49" charset="0"/>
-              </a:rPr>
-              <a:t>：表示出现 </a:t>
-            </a:r>
-            <a:r>
-              <a:rPr lang="en-US" altLang="zh-CN" sz="2400" b="1" dirty="0">
-                <a:solidFill>
-                  <a:srgbClr val="393E46"/>
-                </a:solidFill>
-                <a:latin typeface="Fira Code" panose="020B0809050000020004" pitchFamily="49" charset="0"/>
-                <a:ea typeface="Fira Code" panose="020B0809050000020004" pitchFamily="49" charset="0"/>
-              </a:rPr>
-              <a:t>a </a:t>
-            </a:r>
-            <a:r>
-              <a:rPr lang="zh-CN" altLang="en-US" sz="2400" b="1" dirty="0">
-                <a:solidFill>
-                  <a:srgbClr val="393E46"/>
-                </a:solidFill>
-                <a:latin typeface="Fira Code" panose="020B0809050000020004" pitchFamily="49" charset="0"/>
-                <a:ea typeface="Fira Code" panose="020B0809050000020004" pitchFamily="49" charset="0"/>
-              </a:rPr>
-              <a:t>至 </a:t>
-            </a:r>
-            <a:r>
-              <a:rPr lang="en-US" altLang="zh-CN" sz="2400" b="1" dirty="0">
-                <a:solidFill>
-                  <a:srgbClr val="393E46"/>
-                </a:solidFill>
-                <a:latin typeface="Fira Code" panose="020B0809050000020004" pitchFamily="49" charset="0"/>
-                <a:ea typeface="Fira Code" panose="020B0809050000020004" pitchFamily="49" charset="0"/>
-              </a:rPr>
-              <a:t>b </a:t>
-            </a:r>
-            <a:r>
-              <a:rPr lang="zh-CN" altLang="en-US" sz="2400" b="1" dirty="0">
-                <a:solidFill>
-                  <a:srgbClr val="393E46"/>
-                </a:solidFill>
-                <a:latin typeface="Fira Code" panose="020B0809050000020004" pitchFamily="49" charset="0"/>
-                <a:ea typeface="Fira Code" panose="020B0809050000020004" pitchFamily="49" charset="0"/>
-              </a:rPr>
-              <a:t>次</a:t>
-            </a:r>
-          </a:p>
-          <a:p>
-            <a:endParaRPr lang="zh-CN" altLang="en-US" sz="2400" dirty="0"/>
-          </a:p>
         </p:txBody>
       </p:sp>
     </p:spTree>
     <p:extLst>
       <p:ext uri="{BB962C8B-B14F-4D97-AF65-F5344CB8AC3E}">
-        <p14:creationId xmlns:p14="http://schemas.microsoft.com/office/powerpoint/2010/main" val="2699447970"/>
+        <p14:creationId xmlns:p14="http://schemas.microsoft.com/office/powerpoint/2010/main" val="3308925514"/>
       </p:ext>
     </p:extLst>
   </p:cSld>
@@ -5459,7 +5359,7 @@
                 <a:latin typeface="Fira Code" panose="020B0809050000020004" pitchFamily="49" charset="0"/>
                 <a:ea typeface="Fira Code" panose="020B0809050000020004" pitchFamily="49" charset="0"/>
               </a:rPr>
-              <a:t>开始 与 结尾</a:t>
+              <a:t>数量词修饰</a:t>
             </a:r>
             <a:endParaRPr lang="zh-CN" altLang="en-US" sz="4400" b="1" dirty="0">
               <a:solidFill>
@@ -5484,8 +5384,8 @@
         </p:nvSpPr>
         <p:spPr>
           <a:xfrm>
-            <a:off x="1133476" y="3132566"/>
-            <a:ext cx="5191124" cy="1200329"/>
+            <a:off x="1133476" y="3170666"/>
+            <a:ext cx="5191124" cy="1938992"/>
           </a:xfrm>
           <a:prstGeom prst="rect">
             <a:avLst/>
@@ -5506,7 +5406,7 @@
                 <a:latin typeface="Fira Code" panose="020B0809050000020004" pitchFamily="49" charset="0"/>
                 <a:ea typeface="Fira Code" panose="020B0809050000020004" pitchFamily="49" charset="0"/>
               </a:rPr>
-              <a:t>^ </a:t>
+              <a:t>*  </a:t>
             </a:r>
             <a:r>
               <a:rPr lang="zh-CN" altLang="en-US" sz="2400" b="1" dirty="0">
@@ -5516,7 +5416,7 @@
                 <a:latin typeface="Fira Code" panose="020B0809050000020004" pitchFamily="49" charset="0"/>
                 <a:ea typeface="Fira Code" panose="020B0809050000020004" pitchFamily="49" charset="0"/>
               </a:rPr>
-              <a:t>或 </a:t>
+              <a:t>星号表示 </a:t>
             </a:r>
             <a:r>
               <a:rPr lang="en-US" altLang="zh-CN" sz="2400" b="1" dirty="0">
@@ -5526,17 +5426,7 @@
                 <a:latin typeface="Fira Code" panose="020B0809050000020004" pitchFamily="49" charset="0"/>
                 <a:ea typeface="Fira Code" panose="020B0809050000020004" pitchFamily="49" charset="0"/>
               </a:rPr>
-              <a:t>\</a:t>
-            </a:r>
-            <a:r>
-              <a:rPr lang="en-GB" altLang="zh-CN" sz="2400" b="1" dirty="0">
-                <a:solidFill>
-                  <a:srgbClr val="393E46"/>
-                </a:solidFill>
-                <a:latin typeface="Fira Code" panose="020B0809050000020004" pitchFamily="49" charset="0"/>
-                <a:ea typeface="Fira Code" panose="020B0809050000020004" pitchFamily="49" charset="0"/>
-              </a:rPr>
-              <a:t>A</a:t>
+              <a:t>0 </a:t>
             </a:r>
             <a:r>
               <a:rPr lang="zh-CN" altLang="en-US" sz="2400" b="1" dirty="0">
@@ -5546,7 +5436,7 @@
                 <a:latin typeface="Fira Code" panose="020B0809050000020004" pitchFamily="49" charset="0"/>
                 <a:ea typeface="Fira Code" panose="020B0809050000020004" pitchFamily="49" charset="0"/>
               </a:rPr>
-              <a:t>  用于匹配字符串的开始</a:t>
+              <a:t>个或多个</a:t>
             </a:r>
             <a:endParaRPr lang="en-US" altLang="zh-CN" sz="2400" b="1" dirty="0">
               <a:solidFill>
@@ -5574,7 +5464,7 @@
                 <a:latin typeface="Fira Code" panose="020B0809050000020004" pitchFamily="49" charset="0"/>
                 <a:ea typeface="Fira Code" panose="020B0809050000020004" pitchFamily="49" charset="0"/>
               </a:rPr>
-              <a:t>$ </a:t>
+              <a:t>?</a:t>
             </a:r>
             <a:r>
               <a:rPr lang="zh-CN" altLang="en-US" sz="2400" b="1" dirty="0">
@@ -5584,7 +5474,7 @@
                 <a:latin typeface="Fira Code" panose="020B0809050000020004" pitchFamily="49" charset="0"/>
                 <a:ea typeface="Fira Code" panose="020B0809050000020004" pitchFamily="49" charset="0"/>
               </a:rPr>
-              <a:t>或 </a:t>
+              <a:t>  问号表示 </a:t>
             </a:r>
             <a:r>
               <a:rPr lang="en-US" altLang="zh-CN" sz="2400" b="1" dirty="0">
@@ -5594,17 +5484,7 @@
                 <a:latin typeface="Fira Code" panose="020B0809050000020004" pitchFamily="49" charset="0"/>
                 <a:ea typeface="Fira Code" panose="020B0809050000020004" pitchFamily="49" charset="0"/>
               </a:rPr>
-              <a:t>\</a:t>
-            </a:r>
-            <a:r>
-              <a:rPr lang="en-GB" altLang="zh-CN" sz="2400" b="1" dirty="0">
-                <a:solidFill>
-                  <a:srgbClr val="393E46"/>
-                </a:solidFill>
-                <a:latin typeface="Fira Code" panose="020B0809050000020004" pitchFamily="49" charset="0"/>
-                <a:ea typeface="Fira Code" panose="020B0809050000020004" pitchFamily="49" charset="0"/>
-              </a:rPr>
-              <a:t>Z</a:t>
+              <a:t>0 </a:t>
             </a:r>
             <a:r>
               <a:rPr lang="zh-CN" altLang="en-US" sz="2400" b="1" dirty="0">
@@ -5614,8 +5494,30 @@
                 <a:latin typeface="Fira Code" panose="020B0809050000020004" pitchFamily="49" charset="0"/>
                 <a:ea typeface="Fira Code" panose="020B0809050000020004" pitchFamily="49" charset="0"/>
               </a:rPr>
-              <a:t>  用于匹配字符串的结尾</a:t>
-            </a:r>
+              <a:t>个或 </a:t>
+            </a:r>
+            <a:r>
+              <a:rPr lang="en-US" altLang="zh-CN" sz="2400" b="1" dirty="0">
+                <a:solidFill>
+                  <a:srgbClr val="393E46"/>
+                </a:solidFill>
+                <a:latin typeface="Fira Code" panose="020B0809050000020004" pitchFamily="49" charset="0"/>
+                <a:ea typeface="Fira Code" panose="020B0809050000020004" pitchFamily="49" charset="0"/>
+              </a:rPr>
+              <a:t>1 </a:t>
+            </a:r>
+            <a:r>
+              <a:rPr lang="zh-CN" altLang="en-US" sz="2400" b="1" dirty="0">
+                <a:solidFill>
+                  <a:srgbClr val="393E46"/>
+                </a:solidFill>
+                <a:latin typeface="Fira Code" panose="020B0809050000020004" pitchFamily="49" charset="0"/>
+                <a:ea typeface="Fira Code" panose="020B0809050000020004" pitchFamily="49" charset="0"/>
+              </a:rPr>
+              <a:t>个</a:t>
+            </a:r>
+          </a:p>
+          <a:p>
             <a:endParaRPr lang="en-US" altLang="zh-CN" sz="2400" b="1" dirty="0">
               <a:solidFill>
                 <a:srgbClr val="393E46"/>
@@ -5624,12 +5526,225 @@
               <a:ea typeface="Fira Code" panose="020B0809050000020004" pitchFamily="49" charset="0"/>
             </a:endParaRPr>
           </a:p>
+          <a:p>
+            <a:r>
+              <a:rPr lang="en-US" altLang="zh-CN" sz="2400" b="1" dirty="0">
+                <a:solidFill>
+                  <a:srgbClr val="393E46"/>
+                </a:solidFill>
+                <a:latin typeface="Fira Code" panose="020B0809050000020004" pitchFamily="49" charset="0"/>
+                <a:ea typeface="Fira Code" panose="020B0809050000020004" pitchFamily="49" charset="0"/>
+              </a:rPr>
+              <a:t>+</a:t>
+            </a:r>
+            <a:r>
+              <a:rPr lang="zh-CN" altLang="en-US" sz="2400" b="1" dirty="0">
+                <a:solidFill>
+                  <a:srgbClr val="393E46"/>
+                </a:solidFill>
+                <a:latin typeface="Fira Code" panose="020B0809050000020004" pitchFamily="49" charset="0"/>
+                <a:ea typeface="Fira Code" panose="020B0809050000020004" pitchFamily="49" charset="0"/>
+              </a:rPr>
+              <a:t>  加号表示 </a:t>
+            </a:r>
+            <a:r>
+              <a:rPr lang="en-US" altLang="zh-CN" sz="2400" b="1" dirty="0">
+                <a:solidFill>
+                  <a:srgbClr val="393E46"/>
+                </a:solidFill>
+                <a:latin typeface="Fira Code" panose="020B0809050000020004" pitchFamily="49" charset="0"/>
+                <a:ea typeface="Fira Code" panose="020B0809050000020004" pitchFamily="49" charset="0"/>
+              </a:rPr>
+              <a:t>1 </a:t>
+            </a:r>
+            <a:r>
+              <a:rPr lang="zh-CN" altLang="en-US" sz="2400" b="1" dirty="0">
+                <a:solidFill>
+                  <a:srgbClr val="393E46"/>
+                </a:solidFill>
+                <a:latin typeface="Fira Code" panose="020B0809050000020004" pitchFamily="49" charset="0"/>
+                <a:ea typeface="Fira Code" panose="020B0809050000020004" pitchFamily="49" charset="0"/>
+              </a:rPr>
+              <a:t>个或多个</a:t>
+            </a:r>
+            <a:endParaRPr lang="en-US" altLang="zh-CN" sz="2400" b="1" dirty="0">
+              <a:solidFill>
+                <a:srgbClr val="393E46"/>
+              </a:solidFill>
+              <a:latin typeface="Fira Code" panose="020B0809050000020004" pitchFamily="49" charset="0"/>
+              <a:ea typeface="Fira Code" panose="020B0809050000020004" pitchFamily="49" charset="0"/>
+            </a:endParaRPr>
+          </a:p>
+        </p:txBody>
+      </p:sp>
+      <p:sp>
+        <p:nvSpPr>
+          <p:cNvPr id="2" name="文本框 1">
+            <a:extLst>
+              <a:ext uri="{FF2B5EF4-FFF2-40B4-BE49-F238E27FC236}">
+                <a16:creationId xmlns:a16="http://schemas.microsoft.com/office/drawing/2014/main" id="{5FE84526-6720-4E03-993E-2D13C0011AE8}"/>
+              </a:ext>
+            </a:extLst>
+          </p:cNvPr>
+          <p:cNvSpPr txBox="1"/>
+          <p:nvPr/>
+        </p:nvSpPr>
+        <p:spPr>
+          <a:xfrm>
+            <a:off x="6238875" y="3179032"/>
+            <a:ext cx="4608954" cy="1569660"/>
+          </a:xfrm>
+          <a:prstGeom prst="rect">
+            <a:avLst/>
+          </a:prstGeom>
+        </p:spPr>
+        <p:txBody>
+          <a:bodyPr wrap="none" rtlCol="0">
+            <a:spAutoFit/>
+          </a:bodyPr>
+          <a:lstStyle/>
+          <a:p>
+            <a:r>
+              <a:rPr lang="en-US" altLang="zh-CN" sz="2400" b="1" dirty="0">
+                <a:solidFill>
+                  <a:srgbClr val="393E46"/>
+                </a:solidFill>
+                <a:latin typeface="Fira Code" panose="020B0809050000020004" pitchFamily="49" charset="0"/>
+                <a:ea typeface="Fira Code" panose="020B0809050000020004" pitchFamily="49" charset="0"/>
+              </a:rPr>
+              <a:t>{n}</a:t>
+            </a:r>
+            <a:r>
+              <a:rPr lang="zh-CN" altLang="en-US" sz="2400" b="1" dirty="0">
+                <a:solidFill>
+                  <a:srgbClr val="393E46"/>
+                </a:solidFill>
+                <a:latin typeface="Fira Code" panose="020B0809050000020004" pitchFamily="49" charset="0"/>
+                <a:ea typeface="Fira Code" panose="020B0809050000020004" pitchFamily="49" charset="0"/>
+              </a:rPr>
+              <a:t> 表示出现 </a:t>
+            </a:r>
+            <a:r>
+              <a:rPr lang="en-US" altLang="zh-CN" sz="2400" b="1" dirty="0">
+                <a:solidFill>
+                  <a:srgbClr val="393E46"/>
+                </a:solidFill>
+                <a:latin typeface="Fira Code" panose="020B0809050000020004" pitchFamily="49" charset="0"/>
+                <a:ea typeface="Fira Code" panose="020B0809050000020004" pitchFamily="49" charset="0"/>
+              </a:rPr>
+              <a:t>n </a:t>
+            </a:r>
+            <a:r>
+              <a:rPr lang="zh-CN" altLang="en-US" sz="2400" b="1" dirty="0">
+                <a:solidFill>
+                  <a:srgbClr val="393E46"/>
+                </a:solidFill>
+                <a:latin typeface="Fira Code" panose="020B0809050000020004" pitchFamily="49" charset="0"/>
+                <a:ea typeface="Fira Code" panose="020B0809050000020004" pitchFamily="49" charset="0"/>
+              </a:rPr>
+              <a:t>次</a:t>
+            </a:r>
+          </a:p>
+          <a:p>
+            <a:endParaRPr lang="en-US" altLang="zh-CN" sz="2400" b="1" dirty="0">
+              <a:solidFill>
+                <a:srgbClr val="393E46"/>
+              </a:solidFill>
+              <a:latin typeface="Fira Code" panose="020B0809050000020004" pitchFamily="49" charset="0"/>
+              <a:ea typeface="Fira Code" panose="020B0809050000020004" pitchFamily="49" charset="0"/>
+            </a:endParaRPr>
+          </a:p>
+          <a:p>
+            <a:r>
+              <a:rPr lang="en-US" altLang="zh-CN" sz="2400" b="1" dirty="0">
+                <a:solidFill>
+                  <a:srgbClr val="393E46"/>
+                </a:solidFill>
+                <a:latin typeface="Fira Code" panose="020B0809050000020004" pitchFamily="49" charset="0"/>
+                <a:ea typeface="Fira Code" panose="020B0809050000020004" pitchFamily="49" charset="0"/>
+              </a:rPr>
+              <a:t>{a,</a:t>
+            </a:r>
+            <a:r>
+              <a:rPr lang="zh-CN" altLang="en-US" sz="2400" b="1" dirty="0">
+                <a:solidFill>
+                  <a:srgbClr val="393E46"/>
+                </a:solidFill>
+                <a:latin typeface="Fira Code" panose="020B0809050000020004" pitchFamily="49" charset="0"/>
+                <a:ea typeface="Fira Code" panose="020B0809050000020004" pitchFamily="49" charset="0"/>
+              </a:rPr>
+              <a:t> </a:t>
+            </a:r>
+            <a:r>
+              <a:rPr lang="en-US" altLang="zh-CN" sz="2400" b="1" dirty="0">
+                <a:solidFill>
+                  <a:srgbClr val="393E46"/>
+                </a:solidFill>
+                <a:latin typeface="Fira Code" panose="020B0809050000020004" pitchFamily="49" charset="0"/>
+                <a:ea typeface="Fira Code" panose="020B0809050000020004" pitchFamily="49" charset="0"/>
+              </a:rPr>
+              <a:t>b}</a:t>
+            </a:r>
+            <a:r>
+              <a:rPr lang="zh-CN" altLang="en-US" sz="2400" b="1" dirty="0">
+                <a:solidFill>
+                  <a:srgbClr val="393E46"/>
+                </a:solidFill>
+                <a:latin typeface="Fira Code" panose="020B0809050000020004" pitchFamily="49" charset="0"/>
+                <a:ea typeface="Fira Code" panose="020B0809050000020004" pitchFamily="49" charset="0"/>
+              </a:rPr>
+              <a:t>：表示出现 </a:t>
+            </a:r>
+            <a:r>
+              <a:rPr lang="en-US" altLang="zh-CN" sz="2400" b="1" dirty="0">
+                <a:solidFill>
+                  <a:srgbClr val="393E46"/>
+                </a:solidFill>
+                <a:latin typeface="Fira Code" panose="020B0809050000020004" pitchFamily="49" charset="0"/>
+                <a:ea typeface="Fira Code" panose="020B0809050000020004" pitchFamily="49" charset="0"/>
+              </a:rPr>
+              <a:t>a </a:t>
+            </a:r>
+            <a:r>
+              <a:rPr lang="zh-CN" altLang="en-US" sz="2400" b="1" dirty="0">
+                <a:solidFill>
+                  <a:srgbClr val="393E46"/>
+                </a:solidFill>
+                <a:latin typeface="Fira Code" panose="020B0809050000020004" pitchFamily="49" charset="0"/>
+                <a:ea typeface="Fira Code" panose="020B0809050000020004" pitchFamily="49" charset="0"/>
+              </a:rPr>
+              <a:t>至 </a:t>
+            </a:r>
+            <a:r>
+              <a:rPr lang="en-US" altLang="zh-CN" sz="2400" b="1" dirty="0">
+                <a:solidFill>
+                  <a:srgbClr val="393E46"/>
+                </a:solidFill>
+                <a:latin typeface="Fira Code" panose="020B0809050000020004" pitchFamily="49" charset="0"/>
+                <a:ea typeface="Fira Code" panose="020B0809050000020004" pitchFamily="49" charset="0"/>
+              </a:rPr>
+              <a:t>b </a:t>
+            </a:r>
+            <a:r>
+              <a:rPr lang="zh-CN" altLang="en-US" sz="2400" b="1" dirty="0">
+                <a:solidFill>
+                  <a:srgbClr val="393E46"/>
+                </a:solidFill>
+                <a:latin typeface="Fira Code" panose="020B0809050000020004" pitchFamily="49" charset="0"/>
+                <a:ea typeface="Fira Code" panose="020B0809050000020004" pitchFamily="49" charset="0"/>
+              </a:rPr>
+              <a:t>次</a:t>
+            </a:r>
+          </a:p>
+          <a:p>
+            <a:endParaRPr lang="zh-CN" altLang="en-US" sz="2400" dirty="0"/>
+          </a:p>
         </p:txBody>
       </p:sp>
     </p:spTree>
     <p:extLst>
       <p:ext uri="{BB962C8B-B14F-4D97-AF65-F5344CB8AC3E}">
-        <p14:creationId xmlns:p14="http://schemas.microsoft.com/office/powerpoint/2010/main" val="3234170013"/>
+        <p14:creationId xmlns:p14="http://schemas.microsoft.com/office/powerpoint/2010/main" val="2699447970"/>
       </p:ext>
     </p:extLst>
   </p:cSld>
@@ -5692,7 +5807,7 @@
                 <a:latin typeface="Fira Code" panose="020B0809050000020004" pitchFamily="49" charset="0"/>
                 <a:ea typeface="Fira Code" panose="020B0809050000020004" pitchFamily="49" charset="0"/>
               </a:rPr>
-              <a:t>分组</a:t>
+              <a:t>开始 与 结尾</a:t>
             </a:r>
             <a:endParaRPr lang="zh-CN" altLang="en-US" sz="4400" b="1" dirty="0">
               <a:solidFill>
@@ -5718,7 +5833,7 @@
         <p:spPr>
           <a:xfrm>
             <a:off x="1133476" y="3132566"/>
-            <a:ext cx="5191124" cy="461665"/>
+            <a:ext cx="5191124" cy="1200329"/>
           </a:xfrm>
           <a:prstGeom prst="rect">
             <a:avLst/>
@@ -5739,7 +5854,7 @@
                 <a:latin typeface="Fira Code" panose="020B0809050000020004" pitchFamily="49" charset="0"/>
                 <a:ea typeface="Fira Code" panose="020B0809050000020004" pitchFamily="49" charset="0"/>
               </a:rPr>
-              <a:t>()</a:t>
+              <a:t>^ </a:t>
             </a:r>
             <a:r>
               <a:rPr lang="zh-CN" altLang="en-US" sz="2400" b="1" dirty="0">
@@ -5749,7 +5864,37 @@
                 <a:latin typeface="Fira Code" panose="020B0809050000020004" pitchFamily="49" charset="0"/>
                 <a:ea typeface="Fira Code" panose="020B0809050000020004" pitchFamily="49" charset="0"/>
               </a:rPr>
-              <a:t>  将正则表达式规则分组</a:t>
+              <a:t>或 </a:t>
+            </a:r>
+            <a:r>
+              <a:rPr lang="en-US" altLang="zh-CN" sz="2400" b="1" dirty="0">
+                <a:solidFill>
+                  <a:srgbClr val="393E46"/>
+                </a:solidFill>
+                <a:latin typeface="Fira Code" panose="020B0809050000020004" pitchFamily="49" charset="0"/>
+                <a:ea typeface="Fira Code" panose="020B0809050000020004" pitchFamily="49" charset="0"/>
+              </a:rPr>
+              <a:t>\</a:t>
+            </a:r>
+            <a:r>
+              <a:rPr lang="en-GB" altLang="zh-CN" sz="2400" b="1" dirty="0">
+                <a:solidFill>
+                  <a:srgbClr val="393E46"/>
+                </a:solidFill>
+                <a:latin typeface="Fira Code" panose="020B0809050000020004" pitchFamily="49" charset="0"/>
+                <a:ea typeface="Fira Code" panose="020B0809050000020004" pitchFamily="49" charset="0"/>
+              </a:rPr>
+              <a:t>A</a:t>
+            </a:r>
+            <a:r>
+              <a:rPr lang="zh-CN" altLang="en-US" sz="2400" b="1" dirty="0">
+                <a:solidFill>
+                  <a:srgbClr val="393E46"/>
+                </a:solidFill>
+                <a:latin typeface="Fira Code" panose="020B0809050000020004" pitchFamily="49" charset="0"/>
+                <a:ea typeface="Fira Code" panose="020B0809050000020004" pitchFamily="49" charset="0"/>
+              </a:rPr>
+              <a:t>  用于匹配字符串的开始</a:t>
             </a:r>
             <a:endParaRPr lang="en-US" altLang="zh-CN" sz="2400" b="1" dirty="0">
               <a:solidFill>
@@ -5759,12 +5904,80 @@
               <a:ea typeface="Fira Code" panose="020B0809050000020004" pitchFamily="49" charset="0"/>
             </a:endParaRPr>
           </a:p>
+          <a:p>
+            <a:endParaRPr lang="zh-CN" altLang="en-US" sz="2400" b="1" dirty="0">
+              <a:solidFill>
+                <a:srgbClr val="393E46"/>
+              </a:solidFill>
+              <a:latin typeface="Fira Code" panose="020B0809050000020004" pitchFamily="49" charset="0"/>
+              <a:ea typeface="Fira Code" panose="020B0809050000020004" pitchFamily="49" charset="0"/>
+            </a:endParaRPr>
+          </a:p>
+          <a:p>
+            <a:r>
+              <a:rPr lang="en-US" altLang="zh-CN" sz="2400" b="1" dirty="0">
+                <a:solidFill>
+                  <a:srgbClr val="393E46"/>
+                </a:solidFill>
+                <a:latin typeface="Fira Code" panose="020B0809050000020004" pitchFamily="49" charset="0"/>
+                <a:ea typeface="Fira Code" panose="020B0809050000020004" pitchFamily="49" charset="0"/>
+              </a:rPr>
+              <a:t>$ </a:t>
+            </a:r>
+            <a:r>
+              <a:rPr lang="zh-CN" altLang="en-US" sz="2400" b="1" dirty="0">
+                <a:solidFill>
+                  <a:srgbClr val="393E46"/>
+                </a:solidFill>
+                <a:latin typeface="Fira Code" panose="020B0809050000020004" pitchFamily="49" charset="0"/>
+                <a:ea typeface="Fira Code" panose="020B0809050000020004" pitchFamily="49" charset="0"/>
+              </a:rPr>
+              <a:t>或 </a:t>
+            </a:r>
+            <a:r>
+              <a:rPr lang="en-US" altLang="zh-CN" sz="2400" b="1" dirty="0">
+                <a:solidFill>
+                  <a:srgbClr val="393E46"/>
+                </a:solidFill>
+                <a:latin typeface="Fira Code" panose="020B0809050000020004" pitchFamily="49" charset="0"/>
+                <a:ea typeface="Fira Code" panose="020B0809050000020004" pitchFamily="49" charset="0"/>
+              </a:rPr>
+              <a:t>\</a:t>
+            </a:r>
+            <a:r>
+              <a:rPr lang="en-GB" altLang="zh-CN" sz="2400" b="1" dirty="0">
+                <a:solidFill>
+                  <a:srgbClr val="393E46"/>
+                </a:solidFill>
+                <a:latin typeface="Fira Code" panose="020B0809050000020004" pitchFamily="49" charset="0"/>
+                <a:ea typeface="Fira Code" panose="020B0809050000020004" pitchFamily="49" charset="0"/>
+              </a:rPr>
+              <a:t>Z</a:t>
+            </a:r>
+            <a:r>
+              <a:rPr lang="zh-CN" altLang="en-US" sz="2400" b="1" dirty="0">
+                <a:solidFill>
+                  <a:srgbClr val="393E46"/>
+                </a:solidFill>
+                <a:latin typeface="Fira Code" panose="020B0809050000020004" pitchFamily="49" charset="0"/>
+                <a:ea typeface="Fira Code" panose="020B0809050000020004" pitchFamily="49" charset="0"/>
+              </a:rPr>
+              <a:t>  用于匹配字符串的结尾</a:t>
+            </a:r>
+            <a:endParaRPr lang="en-US" altLang="zh-CN" sz="2400" b="1" dirty="0">
+              <a:solidFill>
+                <a:srgbClr val="393E46"/>
+              </a:solidFill>
+              <a:latin typeface="Fira Code" panose="020B0809050000020004" pitchFamily="49" charset="0"/>
+              <a:ea typeface="Fira Code" panose="020B0809050000020004" pitchFamily="49" charset="0"/>
+            </a:endParaRPr>
+          </a:p>
         </p:txBody>
       </p:sp>
     </p:spTree>
     <p:extLst>
       <p:ext uri="{BB962C8B-B14F-4D97-AF65-F5344CB8AC3E}">
-        <p14:creationId xmlns:p14="http://schemas.microsoft.com/office/powerpoint/2010/main" val="1380434163"/>
+        <p14:creationId xmlns:p14="http://schemas.microsoft.com/office/powerpoint/2010/main" val="3234170013"/>
       </p:ext>
     </p:extLst>
   </p:cSld>
@@ -5827,7 +6040,7 @@
                 <a:latin typeface="Fira Code" panose="020B0809050000020004" pitchFamily="49" charset="0"/>
                 <a:ea typeface="Fira Code" panose="020B0809050000020004" pitchFamily="49" charset="0"/>
               </a:rPr>
-              <a:t>匹配模式</a:t>
+              <a:t>分组</a:t>
             </a:r>
             <a:endParaRPr lang="zh-CN" altLang="en-US" sz="4400" b="1" dirty="0">
               <a:solidFill>
@@ -5852,8 +6065,8 @@
         </p:nvSpPr>
         <p:spPr>
           <a:xfrm>
-            <a:off x="1133476" y="2865866"/>
-            <a:ext cx="5191124" cy="1938992"/>
+            <a:off x="1133476" y="3132566"/>
+            <a:ext cx="5191124" cy="461665"/>
           </a:xfrm>
           <a:prstGeom prst="rect">
             <a:avLst/>
@@ -5874,7 +6087,7 @@
                 <a:latin typeface="Fira Code" panose="020B0809050000020004" pitchFamily="49" charset="0"/>
                 <a:ea typeface="Fira Code" panose="020B0809050000020004" pitchFamily="49" charset="0"/>
               </a:rPr>
-              <a:t>g  </a:t>
+              <a:t>()</a:t>
             </a:r>
             <a:r>
               <a:rPr lang="zh-CN" altLang="en-US" sz="2400" b="1" dirty="0">
@@ -5884,7 +6097,7 @@
                 <a:latin typeface="Fira Code" panose="020B0809050000020004" pitchFamily="49" charset="0"/>
                 <a:ea typeface="Fira Code" panose="020B0809050000020004" pitchFamily="49" charset="0"/>
               </a:rPr>
-              <a:t>全局模式</a:t>
+              <a:t>  将正则表达式规则分组</a:t>
             </a:r>
             <a:endParaRPr lang="en-US" altLang="zh-CN" sz="2400" b="1" dirty="0">
               <a:solidFill>
@@ -5894,254 +6107,12 @@
               <a:ea typeface="Fira Code" panose="020B0809050000020004" pitchFamily="49" charset="0"/>
             </a:endParaRPr>
           </a:p>
-          <a:p>
-            <a:endParaRPr lang="en-US" altLang="zh-CN" sz="2400" b="1" dirty="0">
-              <a:solidFill>
-                <a:srgbClr val="393E46"/>
-              </a:solidFill>
-              <a:latin typeface="Fira Code" panose="020B0809050000020004" pitchFamily="49" charset="0"/>
-              <a:ea typeface="Fira Code" panose="020B0809050000020004" pitchFamily="49" charset="0"/>
-            </a:endParaRPr>
-          </a:p>
-          <a:p>
-            <a:r>
-              <a:rPr lang="en-US" altLang="zh-CN" sz="2400" b="1" dirty="0">
-                <a:solidFill>
-                  <a:srgbClr val="393E46"/>
-                </a:solidFill>
-                <a:latin typeface="Fira Code" panose="020B0809050000020004" pitchFamily="49" charset="0"/>
-                <a:ea typeface="Fira Code" panose="020B0809050000020004" pitchFamily="49" charset="0"/>
-              </a:rPr>
-              <a:t>m</a:t>
-            </a:r>
-            <a:r>
-              <a:rPr lang="zh-CN" altLang="en-US" sz="2400" b="1" dirty="0">
-                <a:solidFill>
-                  <a:srgbClr val="393E46"/>
-                </a:solidFill>
-                <a:latin typeface="Fira Code" panose="020B0809050000020004" pitchFamily="49" charset="0"/>
-                <a:ea typeface="Fira Code" panose="020B0809050000020004" pitchFamily="49" charset="0"/>
-              </a:rPr>
-              <a:t>  多行模式</a:t>
-            </a:r>
-          </a:p>
-          <a:p>
-            <a:endParaRPr lang="en-US" altLang="zh-CN" sz="2400" b="1" dirty="0">
-              <a:solidFill>
-                <a:srgbClr val="393E46"/>
-              </a:solidFill>
-              <a:latin typeface="Fira Code" panose="020B0809050000020004" pitchFamily="49" charset="0"/>
-              <a:ea typeface="Fira Code" panose="020B0809050000020004" pitchFamily="49" charset="0"/>
-            </a:endParaRPr>
-          </a:p>
-          <a:p>
-            <a:r>
-              <a:rPr lang="en-US" altLang="zh-CN" sz="2400" b="1" dirty="0" err="1">
-                <a:solidFill>
-                  <a:srgbClr val="393E46"/>
-                </a:solidFill>
-                <a:latin typeface="Fira Code" panose="020B0809050000020004" pitchFamily="49" charset="0"/>
-                <a:ea typeface="Fira Code" panose="020B0809050000020004" pitchFamily="49" charset="0"/>
-              </a:rPr>
-              <a:t>i</a:t>
-            </a:r>
-            <a:r>
-              <a:rPr lang="en-US" altLang="zh-CN" sz="2400" b="1" dirty="0">
-                <a:solidFill>
-                  <a:srgbClr val="393E46"/>
-                </a:solidFill>
-                <a:latin typeface="Fira Code" panose="020B0809050000020004" pitchFamily="49" charset="0"/>
-                <a:ea typeface="Fira Code" panose="020B0809050000020004" pitchFamily="49" charset="0"/>
-              </a:rPr>
-              <a:t>  </a:t>
-            </a:r>
-            <a:r>
-              <a:rPr lang="zh-CN" altLang="en-US" sz="2400" b="1" dirty="0">
-                <a:solidFill>
-                  <a:srgbClr val="393E46"/>
-                </a:solidFill>
-                <a:latin typeface="Fira Code" panose="020B0809050000020004" pitchFamily="49" charset="0"/>
-                <a:ea typeface="Fira Code" panose="020B0809050000020004" pitchFamily="49" charset="0"/>
-              </a:rPr>
-              <a:t>不区分大小写</a:t>
-            </a:r>
-          </a:p>
-        </p:txBody>
-      </p:sp>
-      <p:sp>
-        <p:nvSpPr>
-          <p:cNvPr id="4" name="文本框 3">
-            <a:extLst>
-              <a:ext uri="{FF2B5EF4-FFF2-40B4-BE49-F238E27FC236}">
-                <a16:creationId xmlns:a16="http://schemas.microsoft.com/office/drawing/2014/main" id="{3A738264-B0EE-4BB6-82D2-AA625277A43E}"/>
-              </a:ext>
-            </a:extLst>
-          </p:cNvPr>
-          <p:cNvSpPr txBox="1"/>
-          <p:nvPr/>
-        </p:nvSpPr>
-        <p:spPr>
-          <a:xfrm>
-            <a:off x="6324600" y="2865866"/>
-            <a:ext cx="5191124" cy="1938992"/>
-          </a:xfrm>
-          <a:prstGeom prst="rect">
-            <a:avLst/>
-          </a:prstGeom>
-          <a:noFill/>
-        </p:spPr>
-        <p:txBody>
-          <a:bodyPr wrap="square" rtlCol="0">
-            <a:spAutoFit/>
-          </a:bodyPr>
-          <a:lstStyle/>
-          <a:p>
-            <a:r>
-              <a:rPr lang="en-US" altLang="zh-CN" sz="2400" b="1" dirty="0">
-                <a:solidFill>
-                  <a:srgbClr val="393E46"/>
-                </a:solidFill>
-                <a:latin typeface="Fira Code" panose="020B0809050000020004" pitchFamily="49" charset="0"/>
-                <a:ea typeface="Fira Code" panose="020B0809050000020004" pitchFamily="49" charset="0"/>
-              </a:rPr>
-              <a:t>s</a:t>
-            </a:r>
-            <a:r>
-              <a:rPr lang="zh-CN" altLang="en-US" sz="2400" b="1" dirty="0">
-                <a:solidFill>
-                  <a:srgbClr val="393E46"/>
-                </a:solidFill>
-                <a:latin typeface="Fira Code" panose="020B0809050000020004" pitchFamily="49" charset="0"/>
-                <a:ea typeface="Fira Code" panose="020B0809050000020004" pitchFamily="49" charset="0"/>
-              </a:rPr>
-              <a:t>  单行模式</a:t>
-            </a:r>
-          </a:p>
-          <a:p>
-            <a:endParaRPr lang="en-US" altLang="zh-CN" sz="2400" b="1" dirty="0">
-              <a:solidFill>
-                <a:srgbClr val="393E46"/>
-              </a:solidFill>
-              <a:latin typeface="Fira Code" panose="020B0809050000020004" pitchFamily="49" charset="0"/>
-              <a:ea typeface="Fira Code" panose="020B0809050000020004" pitchFamily="49" charset="0"/>
-            </a:endParaRPr>
-          </a:p>
-          <a:p>
-            <a:r>
-              <a:rPr lang="en-US" altLang="zh-CN" sz="2400" b="1" dirty="0">
-                <a:solidFill>
-                  <a:srgbClr val="393E46"/>
-                </a:solidFill>
-                <a:latin typeface="Fira Code" panose="020B0809050000020004" pitchFamily="49" charset="0"/>
-                <a:ea typeface="Fira Code" panose="020B0809050000020004" pitchFamily="49" charset="0"/>
-              </a:rPr>
-              <a:t>u  </a:t>
-            </a:r>
-            <a:r>
-              <a:rPr lang="zh-CN" altLang="en-US" sz="2400" b="1" dirty="0">
-                <a:solidFill>
-                  <a:srgbClr val="393E46"/>
-                </a:solidFill>
-                <a:latin typeface="Fira Code" panose="020B0809050000020004" pitchFamily="49" charset="0"/>
-                <a:ea typeface="Fira Code" panose="020B0809050000020004" pitchFamily="49" charset="0"/>
-              </a:rPr>
-              <a:t>支持 </a:t>
-            </a:r>
-            <a:r>
-              <a:rPr lang="en-US" altLang="zh-CN" sz="2400" b="1" dirty="0" err="1">
-                <a:solidFill>
-                  <a:srgbClr val="393E46"/>
-                </a:solidFill>
-                <a:latin typeface="Fira Code" panose="020B0809050000020004" pitchFamily="49" charset="0"/>
-                <a:ea typeface="Fira Code" panose="020B0809050000020004" pitchFamily="49" charset="0"/>
-              </a:rPr>
-              <a:t>unicode</a:t>
-            </a:r>
-            <a:r>
-              <a:rPr lang="en-US" altLang="zh-CN" sz="2400" b="1" dirty="0">
-                <a:solidFill>
-                  <a:srgbClr val="393E46"/>
-                </a:solidFill>
-                <a:latin typeface="Fira Code" panose="020B0809050000020004" pitchFamily="49" charset="0"/>
-                <a:ea typeface="Fira Code" panose="020B0809050000020004" pitchFamily="49" charset="0"/>
-              </a:rPr>
-              <a:t> </a:t>
-            </a:r>
-            <a:r>
-              <a:rPr lang="zh-CN" altLang="en-US" sz="2400" b="1" dirty="0">
-                <a:solidFill>
-                  <a:srgbClr val="393E46"/>
-                </a:solidFill>
-                <a:latin typeface="Fira Code" panose="020B0809050000020004" pitchFamily="49" charset="0"/>
-                <a:ea typeface="Fira Code" panose="020B0809050000020004" pitchFamily="49" charset="0"/>
-              </a:rPr>
-              <a:t>字符</a:t>
-            </a:r>
-          </a:p>
-          <a:p>
-            <a:endParaRPr lang="en-US" altLang="zh-CN" sz="2400" b="1" dirty="0">
-              <a:solidFill>
-                <a:srgbClr val="393E46"/>
-              </a:solidFill>
-              <a:latin typeface="Fira Code" panose="020B0809050000020004" pitchFamily="49" charset="0"/>
-              <a:ea typeface="Fira Code" panose="020B0809050000020004" pitchFamily="49" charset="0"/>
-            </a:endParaRPr>
-          </a:p>
-          <a:p>
-            <a:r>
-              <a:rPr lang="en-US" altLang="zh-CN" sz="2400" b="1" dirty="0">
-                <a:solidFill>
-                  <a:srgbClr val="393E46"/>
-                </a:solidFill>
-                <a:latin typeface="Fira Code" panose="020B0809050000020004" pitchFamily="49" charset="0"/>
-                <a:ea typeface="Fira Code" panose="020B0809050000020004" pitchFamily="49" charset="0"/>
-              </a:rPr>
-              <a:t>a</a:t>
-            </a:r>
-            <a:r>
-              <a:rPr lang="zh-CN" altLang="en-US" sz="2400" b="1" dirty="0">
-                <a:solidFill>
-                  <a:srgbClr val="393E46"/>
-                </a:solidFill>
-                <a:latin typeface="Fira Code" panose="020B0809050000020004" pitchFamily="49" charset="0"/>
-                <a:ea typeface="Fira Code" panose="020B0809050000020004" pitchFamily="49" charset="0"/>
-              </a:rPr>
-              <a:t>  仅支持 </a:t>
-            </a:r>
-            <a:r>
-              <a:rPr lang="en-US" altLang="zh-CN" sz="2400" b="1" dirty="0">
-                <a:solidFill>
-                  <a:srgbClr val="393E46"/>
-                </a:solidFill>
-                <a:latin typeface="Fira Code" panose="020B0809050000020004" pitchFamily="49" charset="0"/>
-                <a:ea typeface="Fira Code" panose="020B0809050000020004" pitchFamily="49" charset="0"/>
-              </a:rPr>
-              <a:t>ascii </a:t>
-            </a:r>
-            <a:r>
-              <a:rPr lang="zh-CN" altLang="en-US" sz="2400" b="1" dirty="0">
-                <a:solidFill>
-                  <a:srgbClr val="393E46"/>
-                </a:solidFill>
-                <a:latin typeface="Fira Code" panose="020B0809050000020004" pitchFamily="49" charset="0"/>
-                <a:ea typeface="Fira Code" panose="020B0809050000020004" pitchFamily="49" charset="0"/>
-              </a:rPr>
-              <a:t>字符</a:t>
-            </a:r>
-            <a:endParaRPr lang="en-US" altLang="zh-CN" sz="2400" b="1" dirty="0">
-              <a:solidFill>
-                <a:srgbClr val="393E46"/>
-              </a:solidFill>
-              <a:latin typeface="Fira Code" panose="020B0809050000020004" pitchFamily="49" charset="0"/>
-              <a:ea typeface="Fira Code" panose="020B0809050000020004" pitchFamily="49" charset="0"/>
-            </a:endParaRPr>
-          </a:p>
         </p:txBody>
       </p:sp>
     </p:spTree>
     <p:extLst>
       <p:ext uri="{BB962C8B-B14F-4D97-AF65-F5344CB8AC3E}">
-        <p14:creationId xmlns:p14="http://schemas.microsoft.com/office/powerpoint/2010/main" val="4270151704"/>
+        <p14:creationId xmlns:p14="http://schemas.microsoft.com/office/powerpoint/2010/main" val="1380434163"/>
       </p:ext>
     </p:extLst>
   </p:cSld>
@@ -6204,7 +6175,7 @@
                 <a:latin typeface="Fira Code" panose="020B0809050000020004" pitchFamily="49" charset="0"/>
                 <a:ea typeface="Fira Code" panose="020B0809050000020004" pitchFamily="49" charset="0"/>
               </a:rPr>
-              <a:t>电话</a:t>
+              <a:t>匹配模式</a:t>
             </a:r>
             <a:endParaRPr lang="zh-CN" altLang="en-US" sz="4400" b="1" dirty="0">
               <a:solidFill>
@@ -6230,7 +6201,7 @@
         <p:spPr>
           <a:xfrm>
             <a:off x="1133476" y="2865866"/>
-            <a:ext cx="5191124" cy="2677656"/>
+            <a:ext cx="5191124" cy="1938992"/>
           </a:xfrm>
           <a:prstGeom prst="rect">
             <a:avLst/>
@@ -6251,8 +6222,34 @@
                 <a:latin typeface="Fira Code" panose="020B0809050000020004" pitchFamily="49" charset="0"/>
                 <a:ea typeface="Fira Code" panose="020B0809050000020004" pitchFamily="49" charset="0"/>
               </a:rPr>
-              <a:t>13482677636</a:t>
-            </a:r>
+              <a:t>g  </a:t>
+            </a:r>
+            <a:r>
+              <a:rPr lang="zh-CN" altLang="en-US" sz="2400" b="1" dirty="0">
+                <a:solidFill>
+                  <a:srgbClr val="393E46"/>
+                </a:solidFill>
+                <a:latin typeface="Fira Code" panose="020B0809050000020004" pitchFamily="49" charset="0"/>
+                <a:ea typeface="Fira Code" panose="020B0809050000020004" pitchFamily="49" charset="0"/>
+              </a:rPr>
+              <a:t>全局模式</a:t>
+            </a:r>
+            <a:endParaRPr lang="en-US" altLang="zh-CN" sz="2400" b="1" dirty="0">
+              <a:solidFill>
+                <a:srgbClr val="393E46"/>
+              </a:solidFill>
+              <a:latin typeface="Fira Code" panose="020B0809050000020004" pitchFamily="49" charset="0"/>
+              <a:ea typeface="Fira Code" panose="020B0809050000020004" pitchFamily="49" charset="0"/>
+            </a:endParaRPr>
+          </a:p>
+          <a:p>
+            <a:endParaRPr lang="en-US" altLang="zh-CN" sz="2400" b="1" dirty="0">
+              <a:solidFill>
+                <a:srgbClr val="393E46"/>
+              </a:solidFill>
+              <a:latin typeface="Fira Code" panose="020B0809050000020004" pitchFamily="49" charset="0"/>
+              <a:ea typeface="Fira Code" panose="020B0809050000020004" pitchFamily="49" charset="0"/>
+            </a:endParaRPr>
           </a:p>
           <a:p>
             <a:r>
@@ -6263,10 +6260,39 @@
                 <a:latin typeface="Fira Code" panose="020B0809050000020004" pitchFamily="49" charset="0"/>
                 <a:ea typeface="Fira Code" panose="020B0809050000020004" pitchFamily="49" charset="0"/>
               </a:rPr>
-              <a:t>01013421984671</a:t>
-            </a:r>
-          </a:p>
-          <a:p>
+              <a:t>m</a:t>
+            </a:r>
+            <a:r>
+              <a:rPr lang="zh-CN" altLang="en-US" sz="2400" b="1" dirty="0">
+                <a:solidFill>
+                  <a:srgbClr val="393E46"/>
+                </a:solidFill>
+                <a:latin typeface="Fira Code" panose="020B0809050000020004" pitchFamily="49" charset="0"/>
+                <a:ea typeface="Fira Code" panose="020B0809050000020004" pitchFamily="49" charset="0"/>
+              </a:rPr>
+              <a:t>  多行模式</a:t>
+            </a:r>
+          </a:p>
+          <a:p>
+            <a:endParaRPr lang="en-US" altLang="zh-CN" sz="2400" b="1" dirty="0">
+              <a:solidFill>
+                <a:srgbClr val="393E46"/>
+              </a:solidFill>
+              <a:latin typeface="Fira Code" panose="020B0809050000020004" pitchFamily="49" charset="0"/>
+              <a:ea typeface="Fira Code" panose="020B0809050000020004" pitchFamily="49" charset="0"/>
+            </a:endParaRPr>
+          </a:p>
+          <a:p>
+            <a:r>
+              <a:rPr lang="en-US" altLang="zh-CN" sz="2400" b="1" dirty="0" err="1">
+                <a:solidFill>
+                  <a:srgbClr val="393E46"/>
+                </a:solidFill>
+                <a:latin typeface="Fira Code" panose="020B0809050000020004" pitchFamily="49" charset="0"/>
+                <a:ea typeface="Fira Code" panose="020B0809050000020004" pitchFamily="49" charset="0"/>
+              </a:rPr>
+              <a:t>i</a:t>
+            </a:r>
             <a:r>
               <a:rPr lang="en-US" altLang="zh-CN" sz="2400" b="1" dirty="0">
                 <a:solidFill>
@@ -6275,65 +6301,27 @@
                 <a:latin typeface="Fira Code" panose="020B0809050000020004" pitchFamily="49" charset="0"/>
                 <a:ea typeface="Fira Code" panose="020B0809050000020004" pitchFamily="49" charset="0"/>
               </a:rPr>
-              <a:t>13496851339</a:t>
-            </a:r>
-          </a:p>
-          <a:p>
-            <a:r>
-              <a:rPr lang="en-US" altLang="zh-CN" sz="2400" b="1" dirty="0">
-                <a:solidFill>
-                  <a:srgbClr val="393E46"/>
-                </a:solidFill>
-                <a:latin typeface="Fira Code" panose="020B0809050000020004" pitchFamily="49" charset="0"/>
-                <a:ea typeface="Fira Code" panose="020B0809050000020004" pitchFamily="49" charset="0"/>
-              </a:rPr>
-              <a:t>13489547460</a:t>
-            </a:r>
-          </a:p>
-          <a:p>
-            <a:r>
-              <a:rPr lang="en-US" altLang="zh-CN" sz="2400" b="1" dirty="0">
-                <a:solidFill>
-                  <a:srgbClr val="393E46"/>
-                </a:solidFill>
-                <a:latin typeface="Fira Code" panose="020B0809050000020004" pitchFamily="49" charset="0"/>
-                <a:ea typeface="Fira Code" panose="020B0809050000020004" pitchFamily="49" charset="0"/>
-              </a:rPr>
-              <a:t>13423305780</a:t>
-            </a:r>
-          </a:p>
-          <a:p>
-            <a:r>
-              <a:rPr lang="en-US" altLang="zh-CN" sz="2400" b="1" dirty="0">
-                <a:solidFill>
-                  <a:srgbClr val="393E46"/>
-                </a:solidFill>
-                <a:latin typeface="Fira Code" panose="020B0809050000020004" pitchFamily="49" charset="0"/>
-                <a:ea typeface="Fira Code" panose="020B0809050000020004" pitchFamily="49" charset="0"/>
-              </a:rPr>
-              <a:t>13417379430</a:t>
-            </a:r>
-          </a:p>
-          <a:p>
-            <a:r>
-              <a:rPr lang="en-US" altLang="zh-CN" sz="2400" b="1" dirty="0">
-                <a:solidFill>
-                  <a:srgbClr val="C00000"/>
-                </a:solidFill>
-                <a:latin typeface="Fira Code" panose="020B0809050000020004" pitchFamily="49" charset="0"/>
-                <a:ea typeface="Fira Code" panose="020B0809050000020004" pitchFamily="49" charset="0"/>
-              </a:rPr>
-              <a:t>13565732107</a:t>
-            </a:r>
-          </a:p>
-        </p:txBody>
-      </p:sp>
-      <p:sp>
-        <p:nvSpPr>
-          <p:cNvPr id="8" name="文本框 7">
-            <a:extLst>
-              <a:ext uri="{FF2B5EF4-FFF2-40B4-BE49-F238E27FC236}">
-                <a16:creationId xmlns:a16="http://schemas.microsoft.com/office/drawing/2014/main" id="{FBDF7303-DD20-4FFB-A125-8FFCCF5B91F7}"/>
+              <a:t>  </a:t>
+            </a:r>
+            <a:r>
+              <a:rPr lang="zh-CN" altLang="en-US" sz="2400" b="1" dirty="0">
+                <a:solidFill>
+                  <a:srgbClr val="393E46"/>
+                </a:solidFill>
+                <a:latin typeface="Fira Code" panose="020B0809050000020004" pitchFamily="49" charset="0"/>
+                <a:ea typeface="Fira Code" panose="020B0809050000020004" pitchFamily="49" charset="0"/>
+              </a:rPr>
+              <a:t>不区分大小写</a:t>
+            </a:r>
+          </a:p>
+        </p:txBody>
+      </p:sp>
+      <p:sp>
+        <p:nvSpPr>
+          <p:cNvPr id="4" name="文本框 3">
+            <a:extLst>
+              <a:ext uri="{FF2B5EF4-FFF2-40B4-BE49-F238E27FC236}">
+                <a16:creationId xmlns:a16="http://schemas.microsoft.com/office/drawing/2014/main" id="{3A738264-B0EE-4BB6-82D2-AA625277A43E}"/>
               </a:ext>
             </a:extLst>
           </p:cNvPr>
@@ -6342,8 +6330,8 @@
         </p:nvSpPr>
         <p:spPr>
           <a:xfrm>
-            <a:off x="5286376" y="2761091"/>
-            <a:ext cx="5838824" cy="523220"/>
+            <a:off x="6324600" y="2865866"/>
+            <a:ext cx="5191124" cy="1938992"/>
           </a:xfrm>
           <a:prstGeom prst="rect">
             <a:avLst/>
@@ -6357,49 +6345,151 @@
           <a:lstStyle/>
           <a:p>
             <a:r>
-              <a:rPr lang="zh-CN" altLang="en-US" sz="2800" b="1" dirty="0">
-                <a:solidFill>
-                  <a:srgbClr val="393E46"/>
-                </a:solidFill>
-                <a:latin typeface="Fira Code" panose="020B0809050000020004" pitchFamily="49" charset="0"/>
-                <a:ea typeface="Fira Code" panose="020B0809050000020004" pitchFamily="49" charset="0"/>
-              </a:rPr>
-              <a:t>获取所有以</a:t>
-            </a:r>
-            <a:r>
-              <a:rPr lang="en-US" altLang="zh-CN" sz="2800" b="1" dirty="0">
-                <a:solidFill>
-                  <a:srgbClr val="393E46"/>
-                </a:solidFill>
-                <a:latin typeface="Fira Code" panose="020B0809050000020004" pitchFamily="49" charset="0"/>
-                <a:ea typeface="Fira Code" panose="020B0809050000020004" pitchFamily="49" charset="0"/>
-              </a:rPr>
-              <a:t>134</a:t>
-            </a:r>
-            <a:r>
-              <a:rPr lang="zh-CN" altLang="en-US" sz="2800" b="1" dirty="0">
-                <a:solidFill>
-                  <a:srgbClr val="393E46"/>
-                </a:solidFill>
-                <a:latin typeface="Fira Code" panose="020B0809050000020004" pitchFamily="49" charset="0"/>
-                <a:ea typeface="Fira Code" panose="020B0809050000020004" pitchFamily="49" charset="0"/>
-              </a:rPr>
-              <a:t>开头的合法电话号码？</a:t>
-            </a:r>
-            <a:endParaRPr lang="en-US" altLang="zh-CN" sz="2800" b="1" dirty="0">
+              <a:rPr lang="en-US" altLang="zh-CN" sz="2400" b="1" dirty="0">
+                <a:solidFill>
+                  <a:srgbClr val="393E46"/>
+                </a:solidFill>
+                <a:latin typeface="Fira Code" panose="020B0809050000020004" pitchFamily="49" charset="0"/>
+                <a:ea typeface="Fira Code" panose="020B0809050000020004" pitchFamily="49" charset="0"/>
+              </a:rPr>
+              <a:t>s</a:t>
+            </a:r>
+            <a:r>
+              <a:rPr lang="zh-CN" altLang="en-US" sz="2400" b="1" dirty="0">
+                <a:solidFill>
+                  <a:srgbClr val="393E46"/>
+                </a:solidFill>
+                <a:latin typeface="Fira Code" panose="020B0809050000020004" pitchFamily="49" charset="0"/>
+                <a:ea typeface="Fira Code" panose="020B0809050000020004" pitchFamily="49" charset="0"/>
+              </a:rPr>
+              <a:t>  单行模式</a:t>
+            </a:r>
+          </a:p>
+          <a:p>
+            <a:endParaRPr lang="en-US" altLang="zh-CN" sz="2400" b="1" dirty="0">
               <a:solidFill>
-                <a:srgbClr val="C00000"/>
+                <a:srgbClr val="393E46"/>
               </a:solidFill>
               <a:latin typeface="Fira Code" panose="020B0809050000020004" pitchFamily="49" charset="0"/>
               <a:ea typeface="Fira Code" panose="020B0809050000020004" pitchFamily="49" charset="0"/>
             </a:endParaRPr>
           </a:p>
+          <a:p>
+            <a:r>
+              <a:rPr lang="en-US" altLang="zh-CN" sz="2400" b="1" dirty="0">
+                <a:solidFill>
+                  <a:srgbClr val="393E46"/>
+                </a:solidFill>
+                <a:latin typeface="Fira Code" panose="020B0809050000020004" pitchFamily="49" charset="0"/>
+                <a:ea typeface="Fira Code" panose="020B0809050000020004" pitchFamily="49" charset="0"/>
+              </a:rPr>
+              <a:t>u  </a:t>
+            </a:r>
+            <a:r>
+              <a:rPr lang="zh-CN" altLang="en-US" sz="2400" b="1" dirty="0">
+                <a:solidFill>
+                  <a:srgbClr val="393E46"/>
+                </a:solidFill>
+                <a:latin typeface="Fira Code" panose="020B0809050000020004" pitchFamily="49" charset="0"/>
+                <a:ea typeface="Fira Code" panose="020B0809050000020004" pitchFamily="49" charset="0"/>
+              </a:rPr>
+              <a:t>支持 </a:t>
+            </a:r>
+            <a:r>
+              <a:rPr lang="en-US" altLang="zh-CN" sz="2400" b="1" dirty="0" err="1">
+                <a:solidFill>
+                  <a:srgbClr val="393E46"/>
+                </a:solidFill>
+                <a:latin typeface="Fira Code" panose="020B0809050000020004" pitchFamily="49" charset="0"/>
+                <a:ea typeface="Fira Code" panose="020B0809050000020004" pitchFamily="49" charset="0"/>
+              </a:rPr>
+              <a:t>unicode</a:t>
+            </a:r>
+            <a:r>
+              <a:rPr lang="en-US" altLang="zh-CN" sz="2400" b="1" dirty="0">
+                <a:solidFill>
+                  <a:srgbClr val="393E46"/>
+                </a:solidFill>
+                <a:latin typeface="Fira Code" panose="020B0809050000020004" pitchFamily="49" charset="0"/>
+                <a:ea typeface="Fira Code" panose="020B0809050000020004" pitchFamily="49" charset="0"/>
+              </a:rPr>
+              <a:t> </a:t>
+            </a:r>
+            <a:r>
+              <a:rPr lang="zh-CN" altLang="en-US" sz="2400" b="1" dirty="0">
+                <a:solidFill>
+                  <a:srgbClr val="393E46"/>
+                </a:solidFill>
+                <a:latin typeface="Fira Code" panose="020B0809050000020004" pitchFamily="49" charset="0"/>
+                <a:ea typeface="Fira Code" panose="020B0809050000020004" pitchFamily="49" charset="0"/>
+              </a:rPr>
+              <a:t>字符</a:t>
+            </a:r>
+          </a:p>
+          <a:p>
+            <a:endParaRPr lang="en-US" altLang="zh-CN" sz="2400" b="1" dirty="0">
+              <a:solidFill>
+                <a:srgbClr val="393E46"/>
+              </a:solidFill>
+              <a:latin typeface="Fira Code" panose="020B0809050000020004" pitchFamily="49" charset="0"/>
+              <a:ea typeface="Fira Code" panose="020B0809050000020004" pitchFamily="49" charset="0"/>
+            </a:endParaRPr>
+          </a:p>
+          <a:p>
+            <a:r>
+              <a:rPr lang="en-US" altLang="zh-CN" sz="2400" b="1" dirty="0">
+                <a:solidFill>
+                  <a:srgbClr val="393E46"/>
+                </a:solidFill>
+                <a:latin typeface="Fira Code" panose="020B0809050000020004" pitchFamily="49" charset="0"/>
+                <a:ea typeface="Fira Code" panose="020B0809050000020004" pitchFamily="49" charset="0"/>
+              </a:rPr>
+              <a:t>a</a:t>
+            </a:r>
+            <a:r>
+              <a:rPr lang="zh-CN" altLang="en-US" sz="2400" b="1" dirty="0">
+                <a:solidFill>
+                  <a:srgbClr val="393E46"/>
+                </a:solidFill>
+                <a:latin typeface="Fira Code" panose="020B0809050000020004" pitchFamily="49" charset="0"/>
+                <a:ea typeface="Fira Code" panose="020B0809050000020004" pitchFamily="49" charset="0"/>
+              </a:rPr>
+              <a:t>  仅支持 </a:t>
+            </a:r>
+            <a:r>
+              <a:rPr lang="en-US" altLang="zh-CN" sz="2400" b="1" dirty="0">
+                <a:solidFill>
+                  <a:srgbClr val="393E46"/>
+                </a:solidFill>
+                <a:latin typeface="Fira Code" panose="020B0809050000020004" pitchFamily="49" charset="0"/>
+                <a:ea typeface="Fira Code" panose="020B0809050000020004" pitchFamily="49" charset="0"/>
+              </a:rPr>
+              <a:t>ascii </a:t>
+            </a:r>
+            <a:r>
+              <a:rPr lang="zh-CN" altLang="en-US" sz="2400" b="1" dirty="0">
+                <a:solidFill>
+                  <a:srgbClr val="393E46"/>
+                </a:solidFill>
+                <a:latin typeface="Fira Code" panose="020B0809050000020004" pitchFamily="49" charset="0"/>
+                <a:ea typeface="Fira Code" panose="020B0809050000020004" pitchFamily="49" charset="0"/>
+              </a:rPr>
+              <a:t>字符</a:t>
+            </a:r>
+            <a:endParaRPr lang="en-US" altLang="zh-CN" sz="2400" b="1" dirty="0">
+              <a:solidFill>
+                <a:srgbClr val="393E46"/>
+              </a:solidFill>
+              <a:latin typeface="Fira Code" panose="020B0809050000020004" pitchFamily="49" charset="0"/>
+              <a:ea typeface="Fira Code" panose="020B0809050000020004" pitchFamily="49" charset="0"/>
+            </a:endParaRPr>
+          </a:p>
         </p:txBody>
       </p:sp>
     </p:spTree>
     <p:extLst>
       <p:ext uri="{BB962C8B-B14F-4D97-AF65-F5344CB8AC3E}">
-        <p14:creationId xmlns:p14="http://schemas.microsoft.com/office/powerpoint/2010/main" val="3192558446"/>
+        <p14:creationId xmlns:p14="http://schemas.microsoft.com/office/powerpoint/2010/main" val="4270151704"/>
       </p:ext>
     </p:extLst>
   </p:cSld>
